--- a/Images/Figures_PPT/SARPieWithOutRictor.pptx
+++ b/Images/Figures_PPT/SARPieWithOutRictor.pptx
@@ -3703,7 +3703,7 @@
           </p:nvSpPr>
           <p:spPr>
             <a:xfrm>
-              <a:off x="5320065" y="5155751"/>
+              <a:off x="5905778" y="4570292"/>
               <a:ext cx="1566579" cy="157737"/>
             </a:xfrm>
             <a:prstGeom prst="rect">
@@ -3749,7 +3749,7 @@
           </p:nvSpPr>
           <p:spPr>
             <a:xfrm>
-              <a:off x="5615162" y="5462135"/>
+              <a:off x="6200875" y="4876676"/>
               <a:ext cx="976386" cy="163560"/>
             </a:xfrm>
             <a:prstGeom prst="rect">
@@ -3795,7 +3795,7 @@
           </p:nvSpPr>
           <p:spPr>
             <a:xfrm>
-              <a:off x="2983639" y="4511906"/>
+              <a:off x="2984594" y="4510962"/>
               <a:ext cx="2036510" cy="157737"/>
             </a:xfrm>
             <a:prstGeom prst="rect">
@@ -3841,7 +3841,7 @@
           </p:nvSpPr>
           <p:spPr>
             <a:xfrm>
-              <a:off x="3573991" y="4818290"/>
+              <a:off x="3574946" y="4817346"/>
               <a:ext cx="855806" cy="163560"/>
             </a:xfrm>
             <a:prstGeom prst="rect">
@@ -3887,7 +3887,7 @@
           </p:nvSpPr>
           <p:spPr>
             <a:xfrm>
-              <a:off x="3863950" y="3539248"/>
+              <a:off x="3863345" y="3539492"/>
               <a:ext cx="1470136" cy="200824"/>
             </a:xfrm>
             <a:prstGeom prst="rect">
@@ -3933,7 +3933,7 @@
           </p:nvSpPr>
           <p:spPr>
             <a:xfrm>
-              <a:off x="4171115" y="3888719"/>
+              <a:off x="4170510" y="3888962"/>
               <a:ext cx="855806" cy="163560"/>
             </a:xfrm>
             <a:prstGeom prst="rect">
@@ -3979,7 +3979,7 @@
           </p:nvSpPr>
           <p:spPr>
             <a:xfrm>
-              <a:off x="4549710" y="2743207"/>
+              <a:off x="4548608" y="2744388"/>
               <a:ext cx="1156990" cy="198283"/>
             </a:xfrm>
             <a:prstGeom prst="rect">
@@ -4025,7 +4025,7 @@
           </p:nvSpPr>
           <p:spPr>
             <a:xfrm>
-              <a:off x="4640012" y="3090137"/>
+              <a:off x="4638911" y="3091318"/>
               <a:ext cx="976386" cy="163560"/>
             </a:xfrm>
             <a:prstGeom prst="rect">

--- a/Images/Figures_PPT/SARPieWithOutRictor.pptx
+++ b/Images/Figures_PPT/SARPieWithOutRictor.pptx
@@ -2298,588 +2298,606 @@
           </p:nvSpPr>
           <p:spPr>
             <a:xfrm>
-              <a:off x="3118044" y="1922580"/>
-              <a:ext cx="4765032" cy="4793268"/>
+              <a:off x="3089681" y="1922580"/>
+              <a:ext cx="4793276" cy="4793302"/>
             </a:xfrm>
             <a:custGeom>
               <a:avLst/>
               <a:pathLst>
-                <a:path w="4765032" h="4793268">
+                <a:path w="4793276" h="4793302">
                   <a:moveTo>
-                    <a:pt x="2368355" y="2396719"/>
+                    <a:pt x="2396718" y="2396719"/>
                   </a:moveTo>
                   <a:lnTo>
-                    <a:pt x="2286688" y="2409396"/>
-                  </a:lnTo>
-                  <a:lnTo>
-                    <a:pt x="2205020" y="2422073"/>
-                  </a:lnTo>
-                  <a:lnTo>
-                    <a:pt x="2123353" y="2434750"/>
-                  </a:lnTo>
-                  <a:lnTo>
-                    <a:pt x="2041685" y="2447428"/>
-                  </a:lnTo>
-                  <a:lnTo>
-                    <a:pt x="1960018" y="2460105"/>
-                  </a:lnTo>
-                  <a:lnTo>
-                    <a:pt x="1878350" y="2472782"/>
-                  </a:lnTo>
-                  <a:lnTo>
-                    <a:pt x="1796683" y="2485459"/>
-                  </a:lnTo>
-                  <a:lnTo>
-                    <a:pt x="1715016" y="2498136"/>
-                  </a:lnTo>
-                  <a:lnTo>
-                    <a:pt x="1633348" y="2510813"/>
-                  </a:lnTo>
-                  <a:lnTo>
-                    <a:pt x="1551681" y="2523490"/>
-                  </a:lnTo>
-                  <a:lnTo>
-                    <a:pt x="1470013" y="2536168"/>
-                  </a:lnTo>
-                  <a:lnTo>
-                    <a:pt x="1388346" y="2548845"/>
-                  </a:lnTo>
-                  <a:lnTo>
-                    <a:pt x="1306678" y="2561522"/>
-                  </a:lnTo>
-                  <a:lnTo>
-                    <a:pt x="1225011" y="2574199"/>
-                  </a:lnTo>
-                  <a:lnTo>
-                    <a:pt x="1143344" y="2586876"/>
-                  </a:lnTo>
-                  <a:lnTo>
-                    <a:pt x="1061676" y="2599553"/>
-                  </a:lnTo>
-                  <a:lnTo>
-                    <a:pt x="980009" y="2612230"/>
-                  </a:lnTo>
-                  <a:lnTo>
-                    <a:pt x="898341" y="2624907"/>
-                  </a:lnTo>
-                  <a:lnTo>
-                    <a:pt x="816674" y="2637585"/>
-                  </a:lnTo>
-                  <a:lnTo>
-                    <a:pt x="735006" y="2650262"/>
-                  </a:lnTo>
-                  <a:lnTo>
-                    <a:pt x="653339" y="2662939"/>
-                  </a:lnTo>
-                  <a:lnTo>
-                    <a:pt x="571672" y="2675616"/>
-                  </a:lnTo>
-                  <a:lnTo>
-                    <a:pt x="490004" y="2688293"/>
-                  </a:lnTo>
-                  <a:lnTo>
-                    <a:pt x="408337" y="2700970"/>
-                  </a:lnTo>
-                  <a:lnTo>
-                    <a:pt x="326669" y="2713647"/>
-                  </a:lnTo>
-                  <a:lnTo>
-                    <a:pt x="245002" y="2726324"/>
-                  </a:lnTo>
-                  <a:lnTo>
-                    <a:pt x="163334" y="2739002"/>
-                  </a:lnTo>
-                  <a:lnTo>
-                    <a:pt x="81667" y="2751679"/>
-                  </a:lnTo>
-                  <a:lnTo>
-                    <a:pt x="0" y="2764356"/>
-                  </a:lnTo>
-                  <a:lnTo>
-                    <a:pt x="13874" y="2844694"/>
-                  </a:lnTo>
-                  <a:lnTo>
-                    <a:pt x="30472" y="2924514"/>
-                  </a:lnTo>
-                  <a:lnTo>
-                    <a:pt x="49775" y="3003723"/>
-                  </a:lnTo>
-                  <a:lnTo>
-                    <a:pt x="71762" y="3082229"/>
-                  </a:lnTo>
-                  <a:lnTo>
-                    <a:pt x="96406" y="3159943"/>
-                  </a:lnTo>
-                  <a:lnTo>
-                    <a:pt x="123678" y="3236773"/>
-                  </a:lnTo>
-                  <a:lnTo>
-                    <a:pt x="153548" y="3312631"/>
-                  </a:lnTo>
-                  <a:lnTo>
-                    <a:pt x="185981" y="3387430"/>
-                  </a:lnTo>
-                  <a:lnTo>
-                    <a:pt x="220939" y="3461082"/>
-                  </a:lnTo>
-                  <a:lnTo>
-                    <a:pt x="258382" y="3533503"/>
-                  </a:lnTo>
-                  <a:lnTo>
-                    <a:pt x="298266" y="3604608"/>
-                  </a:lnTo>
-                  <a:lnTo>
-                    <a:pt x="340545" y="3674315"/>
-                  </a:lnTo>
-                  <a:lnTo>
-                    <a:pt x="385171" y="3742545"/>
-                  </a:lnTo>
-                  <a:lnTo>
-                    <a:pt x="432092" y="3809217"/>
-                  </a:lnTo>
-                  <a:lnTo>
-                    <a:pt x="481253" y="3874254"/>
-                  </a:lnTo>
-                  <a:lnTo>
-                    <a:pt x="532597" y="3937582"/>
-                  </a:lnTo>
-                  <a:lnTo>
-                    <a:pt x="586066" y="3999127"/>
-                  </a:lnTo>
-                  <a:lnTo>
-                    <a:pt x="641597" y="4058818"/>
-                  </a:lnTo>
-                  <a:lnTo>
-                    <a:pt x="699126" y="4116586"/>
-                  </a:lnTo>
-                  <a:lnTo>
-                    <a:pt x="758587" y="4172363"/>
-                  </a:lnTo>
-                  <a:lnTo>
-                    <a:pt x="819910" y="4226086"/>
-                  </a:lnTo>
-                  <a:lnTo>
-                    <a:pt x="883025" y="4277692"/>
-                  </a:lnTo>
-                  <a:lnTo>
-                    <a:pt x="947859" y="4327122"/>
-                  </a:lnTo>
-                  <a:lnTo>
-                    <a:pt x="1014336" y="4374318"/>
-                  </a:lnTo>
-                  <a:lnTo>
-                    <a:pt x="1082380" y="4419226"/>
-                  </a:lnTo>
-                  <a:lnTo>
-                    <a:pt x="1151912" y="4461793"/>
-                  </a:lnTo>
-                  <a:lnTo>
-                    <a:pt x="1222852" y="4501971"/>
-                  </a:lnTo>
-                  <a:lnTo>
-                    <a:pt x="1295117" y="4539713"/>
-                  </a:lnTo>
-                  <a:lnTo>
-                    <a:pt x="1368624" y="4574976"/>
-                  </a:lnTo>
-                  <a:lnTo>
-                    <a:pt x="1443287" y="4607718"/>
-                  </a:lnTo>
-                  <a:lnTo>
-                    <a:pt x="1519021" y="4637901"/>
-                  </a:lnTo>
-                  <a:lnTo>
-                    <a:pt x="1595738" y="4665491"/>
-                  </a:lnTo>
-                  <a:lnTo>
-                    <a:pt x="1673349" y="4690457"/>
-                  </a:lnTo>
-                  <a:lnTo>
-                    <a:pt x="1751764" y="4712768"/>
-                  </a:lnTo>
-                  <a:lnTo>
-                    <a:pt x="1830892" y="4732399"/>
-                  </a:lnTo>
-                  <a:lnTo>
-                    <a:pt x="1910643" y="4749327"/>
-                  </a:lnTo>
-                  <a:lnTo>
-                    <a:pt x="1990923" y="4763533"/>
-                  </a:lnTo>
-                  <a:lnTo>
-                    <a:pt x="2071640" y="4775001"/>
-                  </a:lnTo>
-                  <a:lnTo>
-                    <a:pt x="2152700" y="4783717"/>
-                  </a:lnTo>
-                  <a:lnTo>
-                    <a:pt x="2234009" y="4789670"/>
-                  </a:lnTo>
-                  <a:lnTo>
-                    <a:pt x="2315474" y="4792855"/>
-                  </a:lnTo>
-                  <a:lnTo>
-                    <a:pt x="2397000" y="4793268"/>
-                  </a:lnTo>
-                  <a:lnTo>
-                    <a:pt x="2478494" y="4790907"/>
-                  </a:lnTo>
-                  <a:lnTo>
-                    <a:pt x="2559859" y="4785776"/>
-                  </a:lnTo>
-                  <a:lnTo>
-                    <a:pt x="2641003" y="4777880"/>
-                  </a:lnTo>
-                  <a:lnTo>
-                    <a:pt x="2721832" y="4767229"/>
-                  </a:lnTo>
-                  <a:lnTo>
-                    <a:pt x="2802251" y="4753836"/>
-                  </a:lnTo>
-                  <a:lnTo>
-                    <a:pt x="2882169" y="4737715"/>
-                  </a:lnTo>
-                  <a:lnTo>
-                    <a:pt x="2961492" y="4718885"/>
-                  </a:lnTo>
-                  <a:lnTo>
-                    <a:pt x="3040128" y="4697368"/>
-                  </a:lnTo>
-                  <a:lnTo>
-                    <a:pt x="3117988" y="4673189"/>
-                  </a:lnTo>
-                  <a:lnTo>
-                    <a:pt x="3194980" y="4646376"/>
-                  </a:lnTo>
-                  <a:lnTo>
-                    <a:pt x="3271015" y="4616960"/>
-                  </a:lnTo>
-                  <a:lnTo>
-                    <a:pt x="3346006" y="4584975"/>
-                  </a:lnTo>
-                  <a:lnTo>
-                    <a:pt x="3419866" y="4550458"/>
-                  </a:lnTo>
-                  <a:lnTo>
-                    <a:pt x="3492509" y="4513448"/>
-                  </a:lnTo>
-                  <a:lnTo>
-                    <a:pt x="3563851" y="4473990"/>
-                  </a:lnTo>
-                  <a:lnTo>
-                    <a:pt x="3633810" y="4432128"/>
-                  </a:lnTo>
-                  <a:lnTo>
-                    <a:pt x="3702305" y="4387910"/>
-                  </a:lnTo>
-                  <a:lnTo>
-                    <a:pt x="3769256" y="4341389"/>
-                  </a:lnTo>
-                  <a:lnTo>
-                    <a:pt x="3834586" y="4292618"/>
-                  </a:lnTo>
-                  <a:lnTo>
-                    <a:pt x="3898220" y="4241652"/>
-                  </a:lnTo>
-                  <a:lnTo>
-                    <a:pt x="3960083" y="4188552"/>
-                  </a:lnTo>
-                  <a:lnTo>
-                    <a:pt x="4020105" y="4133379"/>
-                  </a:lnTo>
-                  <a:lnTo>
-                    <a:pt x="4078215" y="4076196"/>
-                  </a:lnTo>
-                  <a:lnTo>
-                    <a:pt x="4134347" y="4017070"/>
-                  </a:lnTo>
-                  <a:lnTo>
-                    <a:pt x="4188436" y="3956069"/>
-                  </a:lnTo>
-                  <a:lnTo>
-                    <a:pt x="4240418" y="3893263"/>
-                  </a:lnTo>
-                  <a:lnTo>
-                    <a:pt x="4290234" y="3828726"/>
-                  </a:lnTo>
-                  <a:lnTo>
-                    <a:pt x="4337827" y="3762532"/>
-                  </a:lnTo>
-                  <a:lnTo>
-                    <a:pt x="4383141" y="3694758"/>
-                  </a:lnTo>
-                  <a:lnTo>
-                    <a:pt x="4426123" y="3625481"/>
-                  </a:lnTo>
-                  <a:lnTo>
-                    <a:pt x="4466724" y="3554783"/>
-                  </a:lnTo>
-                  <a:lnTo>
-                    <a:pt x="4504897" y="3482745"/>
-                  </a:lnTo>
-                  <a:lnTo>
-                    <a:pt x="4540598" y="3409450"/>
-                  </a:lnTo>
-                  <a:lnTo>
-                    <a:pt x="4573786" y="3334983"/>
-                  </a:lnTo>
-                  <a:lnTo>
-                    <a:pt x="4604421" y="3259431"/>
-                  </a:lnTo>
-                  <a:lnTo>
-                    <a:pt x="4632470" y="3182881"/>
-                  </a:lnTo>
-                  <a:lnTo>
-                    <a:pt x="4657898" y="3105420"/>
-                  </a:lnTo>
-                  <a:lnTo>
-                    <a:pt x="4680677" y="3027140"/>
-                  </a:lnTo>
-                  <a:lnTo>
-                    <a:pt x="4700781" y="2948130"/>
-                  </a:lnTo>
-                  <a:lnTo>
-                    <a:pt x="4718186" y="2868482"/>
-                  </a:lnTo>
-                  <a:lnTo>
-                    <a:pt x="4732872" y="2788289"/>
-                  </a:lnTo>
-                  <a:lnTo>
-                    <a:pt x="4744821" y="2707642"/>
-                  </a:lnTo>
-                  <a:lnTo>
-                    <a:pt x="4754021" y="2626636"/>
-                  </a:lnTo>
-                  <a:lnTo>
-                    <a:pt x="4760461" y="2545363"/>
-                  </a:lnTo>
-                  <a:lnTo>
-                    <a:pt x="4764132" y="2463918"/>
-                  </a:lnTo>
-                  <a:lnTo>
-                    <a:pt x="4765032" y="2382396"/>
-                  </a:lnTo>
-                  <a:lnTo>
-                    <a:pt x="4763158" y="2300890"/>
-                  </a:lnTo>
-                  <a:lnTo>
-                    <a:pt x="4758513" y="2219496"/>
-                  </a:lnTo>
-                  <a:lnTo>
-                    <a:pt x="4751103" y="2138306"/>
-                  </a:lnTo>
-                  <a:lnTo>
-                    <a:pt x="4740935" y="2057415"/>
-                  </a:lnTo>
-                  <a:lnTo>
-                    <a:pt x="4728023" y="1976917"/>
-                  </a:lnTo>
-                  <a:lnTo>
-                    <a:pt x="4712379" y="1896904"/>
-                  </a:lnTo>
-                  <a:lnTo>
-                    <a:pt x="4694024" y="1817470"/>
-                  </a:lnTo>
-                  <a:lnTo>
-                    <a:pt x="4672977" y="1738707"/>
-                  </a:lnTo>
-                  <a:lnTo>
-                    <a:pt x="4649264" y="1660704"/>
-                  </a:lnTo>
-                  <a:lnTo>
-                    <a:pt x="4622912" y="1583553"/>
-                  </a:lnTo>
-                  <a:lnTo>
-                    <a:pt x="4593951" y="1507343"/>
-                  </a:lnTo>
-                  <a:lnTo>
-                    <a:pt x="4562414" y="1432163"/>
-                  </a:lnTo>
-                  <a:lnTo>
-                    <a:pt x="4528339" y="1358098"/>
-                  </a:lnTo>
-                  <a:lnTo>
-                    <a:pt x="4491765" y="1285235"/>
-                  </a:lnTo>
-                  <a:lnTo>
-                    <a:pt x="4452733" y="1213658"/>
-                  </a:lnTo>
-                  <a:lnTo>
-                    <a:pt x="4411290" y="1143450"/>
-                  </a:lnTo>
-                  <a:lnTo>
-                    <a:pt x="4367483" y="1074693"/>
-                  </a:lnTo>
-                  <a:lnTo>
-                    <a:pt x="4321362" y="1007465"/>
-                  </a:lnTo>
-                  <a:lnTo>
-                    <a:pt x="4272982" y="941844"/>
-                  </a:lnTo>
-                  <a:lnTo>
-                    <a:pt x="4222398" y="877907"/>
-                  </a:lnTo>
-                  <a:lnTo>
-                    <a:pt x="4169668" y="815727"/>
-                  </a:lnTo>
-                  <a:lnTo>
-                    <a:pt x="4114855" y="755377"/>
-                  </a:lnTo>
-                  <a:lnTo>
-                    <a:pt x="4058020" y="696926"/>
-                  </a:lnTo>
-                  <a:lnTo>
-                    <a:pt x="3999231" y="640442"/>
-                  </a:lnTo>
-                  <a:lnTo>
-                    <a:pt x="3938554" y="585990"/>
-                  </a:lnTo>
-                  <a:lnTo>
-                    <a:pt x="3876060" y="533633"/>
-                  </a:lnTo>
-                  <a:lnTo>
-                    <a:pt x="3811822" y="483432"/>
-                  </a:lnTo>
-                  <a:lnTo>
-                    <a:pt x="3745913" y="435445"/>
-                  </a:lnTo>
-                  <a:lnTo>
-                    <a:pt x="3678411" y="389727"/>
-                  </a:lnTo>
-                  <a:lnTo>
-                    <a:pt x="3609393" y="346331"/>
-                  </a:lnTo>
-                  <a:lnTo>
-                    <a:pt x="3538938" y="305308"/>
-                  </a:lnTo>
-                  <a:lnTo>
-                    <a:pt x="3467130" y="266705"/>
-                  </a:lnTo>
-                  <a:lnTo>
-                    <a:pt x="3394049" y="230567"/>
-                  </a:lnTo>
-                  <a:lnTo>
-                    <a:pt x="3319782" y="196935"/>
-                  </a:lnTo>
-                  <a:lnTo>
-                    <a:pt x="3244415" y="165848"/>
-                  </a:lnTo>
-                  <a:lnTo>
-                    <a:pt x="3168033" y="137343"/>
-                  </a:lnTo>
-                  <a:lnTo>
-                    <a:pt x="3090726" y="111452"/>
-                  </a:lnTo>
-                  <a:lnTo>
-                    <a:pt x="3012583" y="88206"/>
-                  </a:lnTo>
-                  <a:lnTo>
-                    <a:pt x="2933695" y="67630"/>
-                  </a:lnTo>
-                  <a:lnTo>
-                    <a:pt x="2854153" y="49750"/>
-                  </a:lnTo>
-                  <a:lnTo>
-                    <a:pt x="2774048" y="34585"/>
-                  </a:lnTo>
-                  <a:lnTo>
-                    <a:pt x="2693474" y="22153"/>
-                  </a:lnTo>
-                  <a:lnTo>
-                    <a:pt x="2612524" y="12469"/>
-                  </a:lnTo>
-                  <a:lnTo>
-                    <a:pt x="2531292" y="5544"/>
-                  </a:lnTo>
-                  <a:lnTo>
-                    <a:pt x="2449871" y="1386"/>
-                  </a:lnTo>
-                  <a:lnTo>
-                    <a:pt x="2368355" y="0"/>
-                  </a:lnTo>
-                  <a:lnTo>
-                    <a:pt x="2368355" y="82645"/>
-                  </a:lnTo>
-                  <a:lnTo>
-                    <a:pt x="2368355" y="165291"/>
-                  </a:lnTo>
-                  <a:lnTo>
-                    <a:pt x="2368355" y="247936"/>
-                  </a:lnTo>
-                  <a:lnTo>
-                    <a:pt x="2368355" y="330582"/>
-                  </a:lnTo>
-                  <a:lnTo>
-                    <a:pt x="2368355" y="413227"/>
-                  </a:lnTo>
-                  <a:lnTo>
-                    <a:pt x="2368355" y="495873"/>
-                  </a:lnTo>
-                  <a:lnTo>
-                    <a:pt x="2368355" y="578518"/>
-                  </a:lnTo>
-                  <a:lnTo>
-                    <a:pt x="2368355" y="661164"/>
-                  </a:lnTo>
-                  <a:lnTo>
-                    <a:pt x="2368355" y="743809"/>
-                  </a:lnTo>
-                  <a:lnTo>
-                    <a:pt x="2368355" y="826455"/>
-                  </a:lnTo>
-                  <a:lnTo>
-                    <a:pt x="2368355" y="909100"/>
-                  </a:lnTo>
-                  <a:lnTo>
-                    <a:pt x="2368355" y="991746"/>
-                  </a:lnTo>
-                  <a:lnTo>
-                    <a:pt x="2368355" y="1074391"/>
-                  </a:lnTo>
-                  <a:lnTo>
-                    <a:pt x="2368355" y="1157037"/>
-                  </a:lnTo>
-                  <a:lnTo>
-                    <a:pt x="2368355" y="1239682"/>
-                  </a:lnTo>
-                  <a:lnTo>
-                    <a:pt x="2368355" y="1322328"/>
-                  </a:lnTo>
-                  <a:lnTo>
-                    <a:pt x="2368355" y="1404973"/>
-                  </a:lnTo>
-                  <a:lnTo>
-                    <a:pt x="2368355" y="1487619"/>
-                  </a:lnTo>
-                  <a:lnTo>
-                    <a:pt x="2368355" y="1570264"/>
-                  </a:lnTo>
-                  <a:lnTo>
-                    <a:pt x="2368355" y="1652910"/>
-                  </a:lnTo>
-                  <a:lnTo>
-                    <a:pt x="2368355" y="1735555"/>
-                  </a:lnTo>
-                  <a:lnTo>
-                    <a:pt x="2368355" y="1818201"/>
-                  </a:lnTo>
-                  <a:lnTo>
-                    <a:pt x="2368355" y="1900846"/>
-                  </a:lnTo>
-                  <a:lnTo>
-                    <a:pt x="2368355" y="1983492"/>
-                  </a:lnTo>
-                  <a:lnTo>
-                    <a:pt x="2368355" y="2066137"/>
-                  </a:lnTo>
-                  <a:lnTo>
-                    <a:pt x="2368355" y="2148783"/>
-                  </a:lnTo>
-                  <a:lnTo>
-                    <a:pt x="2368355" y="2231428"/>
-                  </a:lnTo>
-                  <a:lnTo>
-                    <a:pt x="2368355" y="2314074"/>
+                    <a:pt x="2314117" y="2393996"/>
+                  </a:lnTo>
+                  <a:lnTo>
+                    <a:pt x="2231517" y="2391273"/>
+                  </a:lnTo>
+                  <a:lnTo>
+                    <a:pt x="2148916" y="2388550"/>
+                  </a:lnTo>
+                  <a:lnTo>
+                    <a:pt x="2066316" y="2385827"/>
+                  </a:lnTo>
+                  <a:lnTo>
+                    <a:pt x="1983715" y="2383104"/>
+                  </a:lnTo>
+                  <a:lnTo>
+                    <a:pt x="1901114" y="2380381"/>
+                  </a:lnTo>
+                  <a:lnTo>
+                    <a:pt x="1818514" y="2377658"/>
+                  </a:lnTo>
+                  <a:lnTo>
+                    <a:pt x="1735913" y="2374935"/>
+                  </a:lnTo>
+                  <a:lnTo>
+                    <a:pt x="1653312" y="2372212"/>
+                  </a:lnTo>
+                  <a:lnTo>
+                    <a:pt x="1570712" y="2369489"/>
+                  </a:lnTo>
+                  <a:lnTo>
+                    <a:pt x="1488111" y="2366766"/>
+                  </a:lnTo>
+                  <a:lnTo>
+                    <a:pt x="1405510" y="2364043"/>
+                  </a:lnTo>
+                  <a:lnTo>
+                    <a:pt x="1322910" y="2361320"/>
+                  </a:lnTo>
+                  <a:lnTo>
+                    <a:pt x="1240309" y="2358597"/>
+                  </a:lnTo>
+                  <a:lnTo>
+                    <a:pt x="1157709" y="2355874"/>
+                  </a:lnTo>
+                  <a:lnTo>
+                    <a:pt x="1075108" y="2353151"/>
+                  </a:lnTo>
+                  <a:lnTo>
+                    <a:pt x="992507" y="2350428"/>
+                  </a:lnTo>
+                  <a:lnTo>
+                    <a:pt x="909907" y="2347705"/>
+                  </a:lnTo>
+                  <a:lnTo>
+                    <a:pt x="827306" y="2344982"/>
+                  </a:lnTo>
+                  <a:lnTo>
+                    <a:pt x="744705" y="2342259"/>
+                  </a:lnTo>
+                  <a:lnTo>
+                    <a:pt x="662105" y="2339536"/>
+                  </a:lnTo>
+                  <a:lnTo>
+                    <a:pt x="579504" y="2336813"/>
+                  </a:lnTo>
+                  <a:lnTo>
+                    <a:pt x="496903" y="2334090"/>
+                  </a:lnTo>
+                  <a:lnTo>
+                    <a:pt x="414303" y="2331367"/>
+                  </a:lnTo>
+                  <a:lnTo>
+                    <a:pt x="331702" y="2328644"/>
+                  </a:lnTo>
+                  <a:lnTo>
+                    <a:pt x="249102" y="2325921"/>
+                  </a:lnTo>
+                  <a:lnTo>
+                    <a:pt x="166501" y="2323198"/>
+                  </a:lnTo>
+                  <a:lnTo>
+                    <a:pt x="83900" y="2320475"/>
+                  </a:lnTo>
+                  <a:lnTo>
+                    <a:pt x="1300" y="2317752"/>
+                  </a:lnTo>
+                  <a:lnTo>
+                    <a:pt x="0" y="2398976"/>
+                  </a:lnTo>
+                  <a:lnTo>
+                    <a:pt x="1453" y="2480196"/>
+                  </a:lnTo>
+                  <a:lnTo>
+                    <a:pt x="5657" y="2561321"/>
+                  </a:lnTo>
+                  <a:lnTo>
+                    <a:pt x="12609" y="2642257"/>
+                  </a:lnTo>
+                  <a:lnTo>
+                    <a:pt x="22299" y="2722910"/>
+                  </a:lnTo>
+                  <a:lnTo>
+                    <a:pt x="34717" y="2803189"/>
+                  </a:lnTo>
+                  <a:lnTo>
+                    <a:pt x="49849" y="2883001"/>
+                  </a:lnTo>
+                  <a:lnTo>
+                    <a:pt x="67676" y="2962254"/>
+                  </a:lnTo>
+                  <a:lnTo>
+                    <a:pt x="88180" y="3040858"/>
+                  </a:lnTo>
+                  <a:lnTo>
+                    <a:pt x="111335" y="3118722"/>
+                  </a:lnTo>
+                  <a:lnTo>
+                    <a:pt x="137115" y="3195756"/>
+                  </a:lnTo>
+                  <a:lnTo>
+                    <a:pt x="165492" y="3271872"/>
+                  </a:lnTo>
+                  <a:lnTo>
+                    <a:pt x="196431" y="3346983"/>
+                  </a:lnTo>
+                  <a:lnTo>
+                    <a:pt x="229898" y="3421003"/>
+                  </a:lnTo>
+                  <a:lnTo>
+                    <a:pt x="265855" y="3493845"/>
+                  </a:lnTo>
+                  <a:lnTo>
+                    <a:pt x="304259" y="3565427"/>
+                  </a:lnTo>
+                  <a:lnTo>
+                    <a:pt x="345067" y="3635667"/>
+                  </a:lnTo>
+                  <a:lnTo>
+                    <a:pt x="388232" y="3704483"/>
+                  </a:lnTo>
+                  <a:lnTo>
+                    <a:pt x="433704" y="3771798"/>
+                  </a:lnTo>
+                  <a:lnTo>
+                    <a:pt x="481431" y="3837532"/>
+                  </a:lnTo>
+                  <a:lnTo>
+                    <a:pt x="531359" y="3901611"/>
+                  </a:lnTo>
+                  <a:lnTo>
+                    <a:pt x="583429" y="3963962"/>
+                  </a:lnTo>
+                  <a:lnTo>
+                    <a:pt x="637583" y="4024512"/>
+                  </a:lnTo>
+                  <a:lnTo>
+                    <a:pt x="693757" y="4083192"/>
+                  </a:lnTo>
+                  <a:lnTo>
+                    <a:pt x="751888" y="4139934"/>
+                  </a:lnTo>
+                  <a:lnTo>
+                    <a:pt x="811908" y="4194674"/>
+                  </a:lnTo>
+                  <a:lnTo>
+                    <a:pt x="873749" y="4247349"/>
+                  </a:lnTo>
+                  <a:lnTo>
+                    <a:pt x="937340" y="4297897"/>
+                  </a:lnTo>
+                  <a:lnTo>
+                    <a:pt x="1002606" y="4346262"/>
+                  </a:lnTo>
+                  <a:lnTo>
+                    <a:pt x="1069475" y="4392387"/>
+                  </a:lnTo>
+                  <a:lnTo>
+                    <a:pt x="1137868" y="4436219"/>
+                  </a:lnTo>
+                  <a:lnTo>
+                    <a:pt x="1207707" y="4477709"/>
+                  </a:lnTo>
+                  <a:lnTo>
+                    <a:pt x="1278913" y="4516808"/>
+                  </a:lnTo>
+                  <a:lnTo>
+                    <a:pt x="1351402" y="4553471"/>
+                  </a:lnTo>
+                  <a:lnTo>
+                    <a:pt x="1425092" y="4587657"/>
+                  </a:lnTo>
+                  <a:lnTo>
+                    <a:pt x="1499899" y="4619326"/>
+                  </a:lnTo>
+                  <a:lnTo>
+                    <a:pt x="1575735" y="4648441"/>
+                  </a:lnTo>
+                  <a:lnTo>
+                    <a:pt x="1652515" y="4674970"/>
+                  </a:lnTo>
+                  <a:lnTo>
+                    <a:pt x="1730150" y="4698881"/>
+                  </a:lnTo>
+                  <a:lnTo>
+                    <a:pt x="1808550" y="4720148"/>
+                  </a:lnTo>
+                  <a:lnTo>
+                    <a:pt x="1887626" y="4738746"/>
+                  </a:lnTo>
+                  <a:lnTo>
+                    <a:pt x="1967287" y="4754653"/>
+                  </a:lnTo>
+                  <a:lnTo>
+                    <a:pt x="2047441" y="4767852"/>
+                  </a:lnTo>
+                  <a:lnTo>
+                    <a:pt x="2127997" y="4778326"/>
+                  </a:lnTo>
+                  <a:lnTo>
+                    <a:pt x="2208861" y="4786065"/>
+                  </a:lnTo>
+                  <a:lnTo>
+                    <a:pt x="2289941" y="4791059"/>
+                  </a:lnTo>
+                  <a:lnTo>
+                    <a:pt x="2371144" y="4793302"/>
+                  </a:lnTo>
+                  <a:lnTo>
+                    <a:pt x="2452376" y="4792792"/>
+                  </a:lnTo>
+                  <a:lnTo>
+                    <a:pt x="2533544" y="4789530"/>
+                  </a:lnTo>
+                  <a:lnTo>
+                    <a:pt x="2614555" y="4783519"/>
+                  </a:lnTo>
+                  <a:lnTo>
+                    <a:pt x="2695316" y="4774765"/>
+                  </a:lnTo>
+                  <a:lnTo>
+                    <a:pt x="2775733" y="4763280"/>
+                  </a:lnTo>
+                  <a:lnTo>
+                    <a:pt x="2855715" y="4749077"/>
+                  </a:lnTo>
+                  <a:lnTo>
+                    <a:pt x="2935170" y="4732171"/>
+                  </a:lnTo>
+                  <a:lnTo>
+                    <a:pt x="3014007" y="4712582"/>
+                  </a:lnTo>
+                  <a:lnTo>
+                    <a:pt x="3092134" y="4690332"/>
+                  </a:lnTo>
+                  <a:lnTo>
+                    <a:pt x="3169462" y="4665448"/>
+                  </a:lnTo>
+                  <a:lnTo>
+                    <a:pt x="3245903" y="4637957"/>
+                  </a:lnTo>
+                  <a:lnTo>
+                    <a:pt x="3321368" y="4607892"/>
+                  </a:lnTo>
+                  <a:lnTo>
+                    <a:pt x="3395771" y="4575287"/>
+                  </a:lnTo>
+                  <a:lnTo>
+                    <a:pt x="3469026" y="4540179"/>
+                  </a:lnTo>
+                  <a:lnTo>
+                    <a:pt x="3541050" y="4502608"/>
+                  </a:lnTo>
+                  <a:lnTo>
+                    <a:pt x="3611759" y="4462619"/>
+                  </a:lnTo>
+                  <a:lnTo>
+                    <a:pt x="3681072" y="4420256"/>
+                  </a:lnTo>
+                  <a:lnTo>
+                    <a:pt x="3748909" y="4375568"/>
+                  </a:lnTo>
+                  <a:lnTo>
+                    <a:pt x="3815193" y="4328607"/>
+                  </a:lnTo>
+                  <a:lnTo>
+                    <a:pt x="3879848" y="4279427"/>
+                  </a:lnTo>
+                  <a:lnTo>
+                    <a:pt x="3942799" y="4228084"/>
+                  </a:lnTo>
+                  <a:lnTo>
+                    <a:pt x="4003974" y="4174638"/>
+                  </a:lnTo>
+                  <a:lnTo>
+                    <a:pt x="4063302" y="4119148"/>
+                  </a:lnTo>
+                  <a:lnTo>
+                    <a:pt x="4120716" y="4061681"/>
+                  </a:lnTo>
+                  <a:lnTo>
+                    <a:pt x="4176149" y="4002300"/>
+                  </a:lnTo>
+                  <a:lnTo>
+                    <a:pt x="4229538" y="3941075"/>
+                  </a:lnTo>
+                  <a:lnTo>
+                    <a:pt x="4280822" y="3878076"/>
+                  </a:lnTo>
+                  <a:lnTo>
+                    <a:pt x="4329941" y="3813375"/>
+                  </a:lnTo>
+                  <a:lnTo>
+                    <a:pt x="4376839" y="3747046"/>
+                  </a:lnTo>
+                  <a:lnTo>
+                    <a:pt x="4421463" y="3679167"/>
+                  </a:lnTo>
+                  <a:lnTo>
+                    <a:pt x="4463761" y="3609814"/>
+                  </a:lnTo>
+                  <a:lnTo>
+                    <a:pt x="4503684" y="3539068"/>
+                  </a:lnTo>
+                  <a:lnTo>
+                    <a:pt x="4541186" y="3467009"/>
+                  </a:lnTo>
+                  <a:lnTo>
+                    <a:pt x="4576225" y="3393721"/>
+                  </a:lnTo>
+                  <a:lnTo>
+                    <a:pt x="4608761" y="3319287"/>
+                  </a:lnTo>
+                  <a:lnTo>
+                    <a:pt x="4638755" y="3243794"/>
+                  </a:lnTo>
+                  <a:lnTo>
+                    <a:pt x="4666174" y="3167327"/>
+                  </a:lnTo>
+                  <a:lnTo>
+                    <a:pt x="4690985" y="3089975"/>
+                  </a:lnTo>
+                  <a:lnTo>
+                    <a:pt x="4713161" y="3011827"/>
+                  </a:lnTo>
+                  <a:lnTo>
+                    <a:pt x="4732676" y="2932972"/>
+                  </a:lnTo>
+                  <a:lnTo>
+                    <a:pt x="4749507" y="2853501"/>
+                  </a:lnTo>
+                  <a:lnTo>
+                    <a:pt x="4763635" y="2773506"/>
+                  </a:lnTo>
+                  <a:lnTo>
+                    <a:pt x="4775044" y="2693077"/>
+                  </a:lnTo>
+                  <a:lnTo>
+                    <a:pt x="4783722" y="2612309"/>
+                  </a:lnTo>
+                  <a:lnTo>
+                    <a:pt x="4789657" y="2531292"/>
+                  </a:lnTo>
+                  <a:lnTo>
+                    <a:pt x="4792843" y="2450121"/>
+                  </a:lnTo>
+                  <a:lnTo>
+                    <a:pt x="4793276" y="2368888"/>
+                  </a:lnTo>
+                  <a:lnTo>
+                    <a:pt x="4790956" y="2287688"/>
+                  </a:lnTo>
+                  <a:lnTo>
+                    <a:pt x="4785886" y="2206613"/>
+                  </a:lnTo>
+                  <a:lnTo>
+                    <a:pt x="4778071" y="2125756"/>
+                  </a:lnTo>
+                  <a:lnTo>
+                    <a:pt x="4767521" y="2045210"/>
+                  </a:lnTo>
+                  <a:lnTo>
+                    <a:pt x="4754247" y="1965068"/>
+                  </a:lnTo>
+                  <a:lnTo>
+                    <a:pt x="4738265" y="1885422"/>
+                  </a:lnTo>
+                  <a:lnTo>
+                    <a:pt x="4719592" y="1806364"/>
+                  </a:lnTo>
+                  <a:lnTo>
+                    <a:pt x="4698252" y="1727983"/>
+                  </a:lnTo>
+                  <a:lnTo>
+                    <a:pt x="4674267" y="1650371"/>
+                  </a:lnTo>
+                  <a:lnTo>
+                    <a:pt x="4647666" y="1573617"/>
+                  </a:lnTo>
+                  <a:lnTo>
+                    <a:pt x="4618479" y="1497807"/>
+                  </a:lnTo>
+                  <a:lnTo>
+                    <a:pt x="4586740" y="1423031"/>
+                  </a:lnTo>
+                  <a:lnTo>
+                    <a:pt x="4552485" y="1349373"/>
+                  </a:lnTo>
+                  <a:lnTo>
+                    <a:pt x="4515753" y="1276918"/>
+                  </a:lnTo>
+                  <a:lnTo>
+                    <a:pt x="4476587" y="1205750"/>
+                  </a:lnTo>
+                  <a:lnTo>
+                    <a:pt x="4435032" y="1135949"/>
+                  </a:lnTo>
+                  <a:lnTo>
+                    <a:pt x="4391135" y="1067598"/>
+                  </a:lnTo>
+                  <a:lnTo>
+                    <a:pt x="4344948" y="1000773"/>
+                  </a:lnTo>
+                  <a:lnTo>
+                    <a:pt x="4296521" y="935551"/>
+                  </a:lnTo>
+                  <a:lnTo>
+                    <a:pt x="4245913" y="872008"/>
+                  </a:lnTo>
+                  <a:lnTo>
+                    <a:pt x="4193180" y="810217"/>
+                  </a:lnTo>
+                  <a:lnTo>
+                    <a:pt x="4138384" y="750248"/>
+                  </a:lnTo>
+                  <a:lnTo>
+                    <a:pt x="4081586" y="692171"/>
+                  </a:lnTo>
+                  <a:lnTo>
+                    <a:pt x="4022853" y="636052"/>
+                  </a:lnTo>
+                  <a:lnTo>
+                    <a:pt x="3962252" y="581956"/>
+                  </a:lnTo>
+                  <a:lnTo>
+                    <a:pt x="3899853" y="529944"/>
+                  </a:lnTo>
+                  <a:lnTo>
+                    <a:pt x="3835727" y="480077"/>
+                  </a:lnTo>
+                  <a:lnTo>
+                    <a:pt x="3769948" y="432411"/>
+                  </a:lnTo>
+                  <a:lnTo>
+                    <a:pt x="3702591" y="387002"/>
+                  </a:lnTo>
+                  <a:lnTo>
+                    <a:pt x="3633734" y="343902"/>
+                  </a:lnTo>
+                  <a:lnTo>
+                    <a:pt x="3563456" y="303160"/>
+                  </a:lnTo>
+                  <a:lnTo>
+                    <a:pt x="3491837" y="264824"/>
+                  </a:lnTo>
+                  <a:lnTo>
+                    <a:pt x="3418961" y="228936"/>
+                  </a:lnTo>
+                  <a:lnTo>
+                    <a:pt x="3344910" y="195538"/>
+                  </a:lnTo>
+                  <a:lnTo>
+                    <a:pt x="3269770" y="164670"/>
+                  </a:lnTo>
+                  <a:lnTo>
+                    <a:pt x="3193627" y="136365"/>
+                  </a:lnTo>
+                  <a:lnTo>
+                    <a:pt x="3116569" y="110657"/>
+                  </a:lnTo>
+                  <a:lnTo>
+                    <a:pt x="3038683" y="87575"/>
+                  </a:lnTo>
+                  <a:lnTo>
+                    <a:pt x="2960060" y="67146"/>
+                  </a:lnTo>
+                  <a:lnTo>
+                    <a:pt x="2880790" y="49393"/>
+                  </a:lnTo>
+                  <a:lnTo>
+                    <a:pt x="2800964" y="34337"/>
+                  </a:lnTo>
+                  <a:lnTo>
+                    <a:pt x="2720674" y="21994"/>
+                  </a:lnTo>
+                  <a:lnTo>
+                    <a:pt x="2640011" y="12380"/>
+                  </a:lnTo>
+                  <a:lnTo>
+                    <a:pt x="2559069" y="5505"/>
+                  </a:lnTo>
+                  <a:lnTo>
+                    <a:pt x="2477940" y="1376"/>
+                  </a:lnTo>
+                  <a:lnTo>
+                    <a:pt x="2396718" y="0"/>
+                  </a:lnTo>
+                  <a:lnTo>
+                    <a:pt x="2396718" y="82645"/>
+                  </a:lnTo>
+                  <a:lnTo>
+                    <a:pt x="2396718" y="165291"/>
+                  </a:lnTo>
+                  <a:lnTo>
+                    <a:pt x="2396718" y="247936"/>
+                  </a:lnTo>
+                  <a:lnTo>
+                    <a:pt x="2396718" y="330582"/>
+                  </a:lnTo>
+                  <a:lnTo>
+                    <a:pt x="2396718" y="413227"/>
+                  </a:lnTo>
+                  <a:lnTo>
+                    <a:pt x="2396718" y="495873"/>
+                  </a:lnTo>
+                  <a:lnTo>
+                    <a:pt x="2396718" y="578518"/>
+                  </a:lnTo>
+                  <a:lnTo>
+                    <a:pt x="2396718" y="661164"/>
+                  </a:lnTo>
+                  <a:lnTo>
+                    <a:pt x="2396718" y="743809"/>
+                  </a:lnTo>
+                  <a:lnTo>
+                    <a:pt x="2396718" y="826455"/>
+                  </a:lnTo>
+                  <a:lnTo>
+                    <a:pt x="2396718" y="909100"/>
+                  </a:lnTo>
+                  <a:lnTo>
+                    <a:pt x="2396718" y="991746"/>
+                  </a:lnTo>
+                  <a:lnTo>
+                    <a:pt x="2396718" y="1074391"/>
+                  </a:lnTo>
+                  <a:lnTo>
+                    <a:pt x="2396718" y="1157037"/>
+                  </a:lnTo>
+                  <a:lnTo>
+                    <a:pt x="2396718" y="1239682"/>
+                  </a:lnTo>
+                  <a:lnTo>
+                    <a:pt x="2396718" y="1322328"/>
+                  </a:lnTo>
+                  <a:lnTo>
+                    <a:pt x="2396718" y="1404973"/>
+                  </a:lnTo>
+                  <a:lnTo>
+                    <a:pt x="2396718" y="1487619"/>
+                  </a:lnTo>
+                  <a:lnTo>
+                    <a:pt x="2396718" y="1570264"/>
+                  </a:lnTo>
+                  <a:lnTo>
+                    <a:pt x="2396718" y="1652910"/>
+                  </a:lnTo>
+                  <a:lnTo>
+                    <a:pt x="2396718" y="1735555"/>
+                  </a:lnTo>
+                  <a:lnTo>
+                    <a:pt x="2396718" y="1818201"/>
+                  </a:lnTo>
+                  <a:lnTo>
+                    <a:pt x="2396718" y="1900846"/>
+                  </a:lnTo>
+                  <a:lnTo>
+                    <a:pt x="2396718" y="1983492"/>
+                  </a:lnTo>
+                  <a:lnTo>
+                    <a:pt x="2396718" y="2066137"/>
+                  </a:lnTo>
+                  <a:lnTo>
+                    <a:pt x="2396718" y="2148783"/>
+                  </a:lnTo>
+                  <a:lnTo>
+                    <a:pt x="2396718" y="2231428"/>
+                  </a:lnTo>
+                  <a:lnTo>
+                    <a:pt x="2396718" y="2314074"/>
                   </a:lnTo>
                   <a:close/>
                 </a:path>
@@ -2914,199 +2932,226 @@
           </p:nvSpPr>
           <p:spPr>
             <a:xfrm>
-              <a:off x="3095867" y="4319300"/>
-              <a:ext cx="2390532" cy="367636"/>
+              <a:off x="3090981" y="3323667"/>
+              <a:ext cx="2395418" cy="995633"/>
             </a:xfrm>
             <a:custGeom>
               <a:avLst/>
               <a:pathLst>
-                <a:path w="2390532" h="367636">
+                <a:path w="2395418" h="995633">
                   <a:moveTo>
-                    <a:pt x="2390532" y="0"/>
+                    <a:pt x="2395418" y="995633"/>
                   </a:moveTo>
                   <a:lnTo>
-                    <a:pt x="2308100" y="5934"/>
-                  </a:lnTo>
-                  <a:lnTo>
-                    <a:pt x="2225668" y="11868"/>
-                  </a:lnTo>
-                  <a:lnTo>
-                    <a:pt x="2143236" y="17802"/>
-                  </a:lnTo>
-                  <a:lnTo>
-                    <a:pt x="2060804" y="23737"/>
-                  </a:lnTo>
-                  <a:lnTo>
-                    <a:pt x="1978372" y="29671"/>
-                  </a:lnTo>
-                  <a:lnTo>
-                    <a:pt x="1895939" y="35605"/>
-                  </a:lnTo>
-                  <a:lnTo>
-                    <a:pt x="1813507" y="41540"/>
-                  </a:lnTo>
-                  <a:lnTo>
-                    <a:pt x="1731075" y="47474"/>
-                  </a:lnTo>
-                  <a:lnTo>
-                    <a:pt x="1648643" y="53408"/>
-                  </a:lnTo>
-                  <a:lnTo>
-                    <a:pt x="1566211" y="59343"/>
-                  </a:lnTo>
-                  <a:lnTo>
-                    <a:pt x="1483779" y="65277"/>
-                  </a:lnTo>
-                  <a:lnTo>
-                    <a:pt x="1401346" y="71211"/>
-                  </a:lnTo>
-                  <a:lnTo>
-                    <a:pt x="1318914" y="77146"/>
-                  </a:lnTo>
-                  <a:lnTo>
-                    <a:pt x="1236482" y="83080"/>
-                  </a:lnTo>
-                  <a:lnTo>
-                    <a:pt x="1154050" y="89014"/>
-                  </a:lnTo>
-                  <a:lnTo>
-                    <a:pt x="1071618" y="94949"/>
-                  </a:lnTo>
-                  <a:lnTo>
-                    <a:pt x="989186" y="100883"/>
-                  </a:lnTo>
-                  <a:lnTo>
-                    <a:pt x="906753" y="106817"/>
-                  </a:lnTo>
-                  <a:lnTo>
-                    <a:pt x="824321" y="112752"/>
-                  </a:lnTo>
-                  <a:lnTo>
-                    <a:pt x="741889" y="118686"/>
-                  </a:lnTo>
-                  <a:lnTo>
-                    <a:pt x="659457" y="124620"/>
-                  </a:lnTo>
-                  <a:lnTo>
-                    <a:pt x="577025" y="130555"/>
-                  </a:lnTo>
-                  <a:lnTo>
-                    <a:pt x="494593" y="136489"/>
-                  </a:lnTo>
-                  <a:lnTo>
-                    <a:pt x="412160" y="142423"/>
-                  </a:lnTo>
-                  <a:lnTo>
-                    <a:pt x="329728" y="148358"/>
-                  </a:lnTo>
-                  <a:lnTo>
-                    <a:pt x="247296" y="154292"/>
-                  </a:lnTo>
-                  <a:lnTo>
-                    <a:pt x="164864" y="160226"/>
-                  </a:lnTo>
-                  <a:lnTo>
-                    <a:pt x="82432" y="166161"/>
-                  </a:lnTo>
-                  <a:lnTo>
-                    <a:pt x="0" y="172095"/>
-                  </a:lnTo>
-                  <a:lnTo>
-                    <a:pt x="9080" y="270093"/>
-                  </a:lnTo>
-                  <a:lnTo>
-                    <a:pt x="22177" y="367636"/>
-                  </a:lnTo>
-                  <a:lnTo>
-                    <a:pt x="103844" y="354959"/>
-                  </a:lnTo>
-                  <a:lnTo>
-                    <a:pt x="185512" y="342282"/>
-                  </a:lnTo>
-                  <a:lnTo>
-                    <a:pt x="267179" y="329605"/>
-                  </a:lnTo>
-                  <a:lnTo>
-                    <a:pt x="348847" y="316928"/>
-                  </a:lnTo>
-                  <a:lnTo>
-                    <a:pt x="430514" y="304251"/>
-                  </a:lnTo>
-                  <a:lnTo>
-                    <a:pt x="512182" y="291574"/>
-                  </a:lnTo>
-                  <a:lnTo>
-                    <a:pt x="593849" y="278896"/>
-                  </a:lnTo>
-                  <a:lnTo>
-                    <a:pt x="675516" y="266219"/>
-                  </a:lnTo>
-                  <a:lnTo>
-                    <a:pt x="757184" y="253542"/>
-                  </a:lnTo>
-                  <a:lnTo>
-                    <a:pt x="838851" y="240865"/>
-                  </a:lnTo>
-                  <a:lnTo>
-                    <a:pt x="920519" y="228188"/>
-                  </a:lnTo>
-                  <a:lnTo>
-                    <a:pt x="1002186" y="215511"/>
-                  </a:lnTo>
-                  <a:lnTo>
-                    <a:pt x="1083854" y="202834"/>
-                  </a:lnTo>
-                  <a:lnTo>
-                    <a:pt x="1165521" y="190156"/>
-                  </a:lnTo>
-                  <a:lnTo>
-                    <a:pt x="1247188" y="177479"/>
-                  </a:lnTo>
-                  <a:lnTo>
-                    <a:pt x="1328856" y="164802"/>
-                  </a:lnTo>
-                  <a:lnTo>
-                    <a:pt x="1410523" y="152125"/>
-                  </a:lnTo>
-                  <a:lnTo>
-                    <a:pt x="1492191" y="139448"/>
-                  </a:lnTo>
-                  <a:lnTo>
-                    <a:pt x="1573858" y="126771"/>
-                  </a:lnTo>
-                  <a:lnTo>
-                    <a:pt x="1655526" y="114094"/>
-                  </a:lnTo>
-                  <a:lnTo>
-                    <a:pt x="1737193" y="101417"/>
-                  </a:lnTo>
-                  <a:lnTo>
-                    <a:pt x="1818860" y="88739"/>
-                  </a:lnTo>
-                  <a:lnTo>
-                    <a:pt x="1900528" y="76062"/>
-                  </a:lnTo>
-                  <a:lnTo>
-                    <a:pt x="1982195" y="63385"/>
-                  </a:lnTo>
-                  <a:lnTo>
-                    <a:pt x="2063863" y="50708"/>
-                  </a:lnTo>
-                  <a:lnTo>
-                    <a:pt x="2145530" y="38031"/>
-                  </a:lnTo>
-                  <a:lnTo>
-                    <a:pt x="2227198" y="25354"/>
-                  </a:lnTo>
-                  <a:lnTo>
-                    <a:pt x="2308865" y="12677"/>
+                    <a:pt x="2320241" y="961301"/>
+                  </a:lnTo>
+                  <a:lnTo>
+                    <a:pt x="2245064" y="926968"/>
+                  </a:lnTo>
+                  <a:lnTo>
+                    <a:pt x="2169887" y="892636"/>
+                  </a:lnTo>
+                  <a:lnTo>
+                    <a:pt x="2094710" y="858304"/>
+                  </a:lnTo>
+                  <a:lnTo>
+                    <a:pt x="2019533" y="823972"/>
+                  </a:lnTo>
+                  <a:lnTo>
+                    <a:pt x="1944356" y="789640"/>
+                  </a:lnTo>
+                  <a:lnTo>
+                    <a:pt x="1869179" y="755308"/>
+                  </a:lnTo>
+                  <a:lnTo>
+                    <a:pt x="1794002" y="720975"/>
+                  </a:lnTo>
+                  <a:lnTo>
+                    <a:pt x="1718825" y="686643"/>
+                  </a:lnTo>
+                  <a:lnTo>
+                    <a:pt x="1643648" y="652311"/>
+                  </a:lnTo>
+                  <a:lnTo>
+                    <a:pt x="1568471" y="617979"/>
+                  </a:lnTo>
+                  <a:lnTo>
+                    <a:pt x="1493294" y="583647"/>
+                  </a:lnTo>
+                  <a:lnTo>
+                    <a:pt x="1418117" y="549314"/>
+                  </a:lnTo>
+                  <a:lnTo>
+                    <a:pt x="1342940" y="514982"/>
+                  </a:lnTo>
+                  <a:lnTo>
+                    <a:pt x="1267763" y="480650"/>
+                  </a:lnTo>
+                  <a:lnTo>
+                    <a:pt x="1192586" y="446318"/>
+                  </a:lnTo>
+                  <a:lnTo>
+                    <a:pt x="1117409" y="411986"/>
+                  </a:lnTo>
+                  <a:lnTo>
+                    <a:pt x="1042232" y="377654"/>
+                  </a:lnTo>
+                  <a:lnTo>
+                    <a:pt x="967055" y="343321"/>
+                  </a:lnTo>
+                  <a:lnTo>
+                    <a:pt x="891878" y="308989"/>
+                  </a:lnTo>
+                  <a:lnTo>
+                    <a:pt x="816701" y="274657"/>
+                  </a:lnTo>
+                  <a:lnTo>
+                    <a:pt x="741524" y="240325"/>
+                  </a:lnTo>
+                  <a:lnTo>
+                    <a:pt x="666347" y="205993"/>
+                  </a:lnTo>
+                  <a:lnTo>
+                    <a:pt x="591170" y="171660"/>
+                  </a:lnTo>
+                  <a:lnTo>
+                    <a:pt x="515993" y="137328"/>
+                  </a:lnTo>
+                  <a:lnTo>
+                    <a:pt x="440816" y="102996"/>
+                  </a:lnTo>
+                  <a:lnTo>
+                    <a:pt x="365639" y="68664"/>
+                  </a:lnTo>
+                  <a:lnTo>
+                    <a:pt x="290462" y="34332"/>
+                  </a:lnTo>
+                  <a:lnTo>
+                    <a:pt x="215285" y="0"/>
+                  </a:lnTo>
+                  <a:lnTo>
+                    <a:pt x="180909" y="79001"/>
+                  </a:lnTo>
+                  <a:lnTo>
+                    <a:pt x="149394" y="159186"/>
+                  </a:lnTo>
+                  <a:lnTo>
+                    <a:pt x="120782" y="240453"/>
+                  </a:lnTo>
+                  <a:lnTo>
+                    <a:pt x="95109" y="322696"/>
+                  </a:lnTo>
+                  <a:lnTo>
+                    <a:pt x="72409" y="405808"/>
+                  </a:lnTo>
+                  <a:lnTo>
+                    <a:pt x="52710" y="489682"/>
+                  </a:lnTo>
+                  <a:lnTo>
+                    <a:pt x="36039" y="574210"/>
+                  </a:lnTo>
+                  <a:lnTo>
+                    <a:pt x="22417" y="659283"/>
+                  </a:lnTo>
+                  <a:lnTo>
+                    <a:pt x="11861" y="744790"/>
+                  </a:lnTo>
+                  <a:lnTo>
+                    <a:pt x="4385" y="830621"/>
+                  </a:lnTo>
+                  <a:lnTo>
+                    <a:pt x="0" y="916666"/>
+                  </a:lnTo>
+                  <a:lnTo>
+                    <a:pt x="82600" y="919389"/>
+                  </a:lnTo>
+                  <a:lnTo>
+                    <a:pt x="165201" y="922112"/>
+                  </a:lnTo>
+                  <a:lnTo>
+                    <a:pt x="247801" y="924835"/>
+                  </a:lnTo>
+                  <a:lnTo>
+                    <a:pt x="330402" y="927558"/>
+                  </a:lnTo>
+                  <a:lnTo>
+                    <a:pt x="413003" y="930281"/>
+                  </a:lnTo>
+                  <a:lnTo>
+                    <a:pt x="495603" y="933004"/>
+                  </a:lnTo>
+                  <a:lnTo>
+                    <a:pt x="578204" y="935727"/>
+                  </a:lnTo>
+                  <a:lnTo>
+                    <a:pt x="660805" y="938450"/>
+                  </a:lnTo>
+                  <a:lnTo>
+                    <a:pt x="743405" y="941173"/>
+                  </a:lnTo>
+                  <a:lnTo>
+                    <a:pt x="826006" y="943896"/>
+                  </a:lnTo>
+                  <a:lnTo>
+                    <a:pt x="908606" y="946619"/>
+                  </a:lnTo>
+                  <a:lnTo>
+                    <a:pt x="991207" y="949342"/>
+                  </a:lnTo>
+                  <a:lnTo>
+                    <a:pt x="1073808" y="952065"/>
+                  </a:lnTo>
+                  <a:lnTo>
+                    <a:pt x="1156408" y="954788"/>
+                  </a:lnTo>
+                  <a:lnTo>
+                    <a:pt x="1239009" y="957511"/>
+                  </a:lnTo>
+                  <a:lnTo>
+                    <a:pt x="1321610" y="960234"/>
+                  </a:lnTo>
+                  <a:lnTo>
+                    <a:pt x="1404210" y="962957"/>
+                  </a:lnTo>
+                  <a:lnTo>
+                    <a:pt x="1486811" y="965680"/>
+                  </a:lnTo>
+                  <a:lnTo>
+                    <a:pt x="1569412" y="968403"/>
+                  </a:lnTo>
+                  <a:lnTo>
+                    <a:pt x="1652012" y="971126"/>
+                  </a:lnTo>
+                  <a:lnTo>
+                    <a:pt x="1734613" y="973849"/>
+                  </a:lnTo>
+                  <a:lnTo>
+                    <a:pt x="1817213" y="976572"/>
+                  </a:lnTo>
+                  <a:lnTo>
+                    <a:pt x="1899814" y="979295"/>
+                  </a:lnTo>
+                  <a:lnTo>
+                    <a:pt x="1982415" y="982018"/>
+                  </a:lnTo>
+                  <a:lnTo>
+                    <a:pt x="2065015" y="984741"/>
+                  </a:lnTo>
+                  <a:lnTo>
+                    <a:pt x="2147616" y="987464"/>
+                  </a:lnTo>
+                  <a:lnTo>
+                    <a:pt x="2230217" y="990187"/>
+                  </a:lnTo>
+                  <a:lnTo>
+                    <a:pt x="2312817" y="992910"/>
                   </a:lnTo>
                   <a:close/>
                 </a:path>
               </a:pathLst>
             </a:custGeom>
             <a:solidFill>
-              <a:srgbClr val="FE4A49">
+              <a:srgbClr val="A020F0">
                 <a:alpha val="100000"/>
               </a:srgbClr>
             </a:solidFill>
@@ -3134,541 +3179,285 @@
           </p:nvSpPr>
           <p:spPr>
             <a:xfrm>
-              <a:off x="3089682" y="3339973"/>
-              <a:ext cx="2396717" cy="1151423"/>
+              <a:off x="3306267" y="1922580"/>
+              <a:ext cx="2180132" cy="2396719"/>
             </a:xfrm>
             <a:custGeom>
               <a:avLst/>
               <a:pathLst>
-                <a:path w="2396717" h="1151423">
+                <a:path w="2180132" h="2396719">
                   <a:moveTo>
-                    <a:pt x="2396717" y="979327"/>
+                    <a:pt x="2180132" y="2396719"/>
                   </a:moveTo>
                   <a:lnTo>
-                    <a:pt x="2321285" y="945557"/>
-                  </a:lnTo>
-                  <a:lnTo>
-                    <a:pt x="2245854" y="911787"/>
-                  </a:lnTo>
-                  <a:lnTo>
-                    <a:pt x="2170423" y="878017"/>
-                  </a:lnTo>
-                  <a:lnTo>
-                    <a:pt x="2094992" y="844247"/>
-                  </a:lnTo>
-                  <a:lnTo>
-                    <a:pt x="2019560" y="810477"/>
-                  </a:lnTo>
-                  <a:lnTo>
-                    <a:pt x="1944129" y="776707"/>
-                  </a:lnTo>
-                  <a:lnTo>
-                    <a:pt x="1868698" y="742938"/>
-                  </a:lnTo>
-                  <a:lnTo>
-                    <a:pt x="1793267" y="709168"/>
-                  </a:lnTo>
-                  <a:lnTo>
-                    <a:pt x="1717835" y="675398"/>
-                  </a:lnTo>
-                  <a:lnTo>
-                    <a:pt x="1642404" y="641628"/>
-                  </a:lnTo>
-                  <a:lnTo>
-                    <a:pt x="1566973" y="607858"/>
-                  </a:lnTo>
-                  <a:lnTo>
-                    <a:pt x="1491542" y="574088"/>
-                  </a:lnTo>
-                  <a:lnTo>
-                    <a:pt x="1416110" y="540318"/>
-                  </a:lnTo>
-                  <a:lnTo>
-                    <a:pt x="1340679" y="506548"/>
-                  </a:lnTo>
-                  <a:lnTo>
-                    <a:pt x="1265248" y="472778"/>
-                  </a:lnTo>
-                  <a:lnTo>
-                    <a:pt x="1189817" y="439008"/>
-                  </a:lnTo>
-                  <a:lnTo>
-                    <a:pt x="1114385" y="405238"/>
-                  </a:lnTo>
-                  <a:lnTo>
-                    <a:pt x="1038954" y="371469"/>
-                  </a:lnTo>
-                  <a:lnTo>
-                    <a:pt x="963523" y="337699"/>
-                  </a:lnTo>
-                  <a:lnTo>
-                    <a:pt x="888092" y="303929"/>
-                  </a:lnTo>
-                  <a:lnTo>
-                    <a:pt x="812660" y="270159"/>
-                  </a:lnTo>
-                  <a:lnTo>
-                    <a:pt x="737229" y="236389"/>
-                  </a:lnTo>
-                  <a:lnTo>
-                    <a:pt x="661798" y="202619"/>
-                  </a:lnTo>
-                  <a:lnTo>
-                    <a:pt x="586367" y="168849"/>
-                  </a:lnTo>
-                  <a:lnTo>
-                    <a:pt x="510935" y="135079"/>
-                  </a:lnTo>
-                  <a:lnTo>
-                    <a:pt x="435504" y="101309"/>
-                  </a:lnTo>
-                  <a:lnTo>
-                    <a:pt x="360073" y="67539"/>
-                  </a:lnTo>
-                  <a:lnTo>
-                    <a:pt x="284642" y="33769"/>
-                  </a:lnTo>
-                  <a:lnTo>
-                    <a:pt x="209210" y="0"/>
-                  </a:lnTo>
-                  <a:lnTo>
-                    <a:pt x="176100" y="77590"/>
-                  </a:lnTo>
-                  <a:lnTo>
-                    <a:pt x="145741" y="156298"/>
-                  </a:lnTo>
-                  <a:lnTo>
-                    <a:pt x="118171" y="236026"/>
-                  </a:lnTo>
-                  <a:lnTo>
-                    <a:pt x="93424" y="316674"/>
-                  </a:lnTo>
-                  <a:lnTo>
-                    <a:pt x="71530" y="398144"/>
-                  </a:lnTo>
-                  <a:lnTo>
-                    <a:pt x="52517" y="480333"/>
-                  </a:lnTo>
-                  <a:lnTo>
-                    <a:pt x="36408" y="563141"/>
-                  </a:lnTo>
-                  <a:lnTo>
-                    <a:pt x="23224" y="646464"/>
-                  </a:lnTo>
-                  <a:lnTo>
-                    <a:pt x="12980" y="730200"/>
-                  </a:lnTo>
-                  <a:lnTo>
-                    <a:pt x="5689" y="814244"/>
-                  </a:lnTo>
-                  <a:lnTo>
-                    <a:pt x="1360" y="898493"/>
-                  </a:lnTo>
-                  <a:lnTo>
-                    <a:pt x="0" y="982842"/>
-                  </a:lnTo>
-                  <a:lnTo>
-                    <a:pt x="1608" y="1067187"/>
-                  </a:lnTo>
-                  <a:lnTo>
-                    <a:pt x="6184" y="1151423"/>
-                  </a:lnTo>
-                  <a:lnTo>
-                    <a:pt x="88616" y="1145488"/>
-                  </a:lnTo>
-                  <a:lnTo>
-                    <a:pt x="171048" y="1139554"/>
-                  </a:lnTo>
-                  <a:lnTo>
-                    <a:pt x="253480" y="1133620"/>
-                  </a:lnTo>
-                  <a:lnTo>
-                    <a:pt x="335912" y="1127685"/>
-                  </a:lnTo>
-                  <a:lnTo>
-                    <a:pt x="418344" y="1121751"/>
-                  </a:lnTo>
-                  <a:lnTo>
-                    <a:pt x="500777" y="1115817"/>
-                  </a:lnTo>
-                  <a:lnTo>
-                    <a:pt x="583209" y="1109882"/>
-                  </a:lnTo>
-                  <a:lnTo>
-                    <a:pt x="665641" y="1103948"/>
-                  </a:lnTo>
-                  <a:lnTo>
-                    <a:pt x="748073" y="1098014"/>
-                  </a:lnTo>
-                  <a:lnTo>
-                    <a:pt x="830505" y="1092079"/>
-                  </a:lnTo>
-                  <a:lnTo>
-                    <a:pt x="912937" y="1086145"/>
-                  </a:lnTo>
-                  <a:lnTo>
-                    <a:pt x="995370" y="1080211"/>
-                  </a:lnTo>
-                  <a:lnTo>
-                    <a:pt x="1077802" y="1074276"/>
-                  </a:lnTo>
-                  <a:lnTo>
-                    <a:pt x="1160234" y="1068342"/>
-                  </a:lnTo>
-                  <a:lnTo>
-                    <a:pt x="1242666" y="1062408"/>
-                  </a:lnTo>
-                  <a:lnTo>
-                    <a:pt x="1325098" y="1056473"/>
-                  </a:lnTo>
-                  <a:lnTo>
-                    <a:pt x="1407530" y="1050539"/>
-                  </a:lnTo>
-                  <a:lnTo>
-                    <a:pt x="1489963" y="1044605"/>
-                  </a:lnTo>
-                  <a:lnTo>
-                    <a:pt x="1572395" y="1038670"/>
-                  </a:lnTo>
-                  <a:lnTo>
-                    <a:pt x="1654827" y="1032736"/>
-                  </a:lnTo>
-                  <a:lnTo>
-                    <a:pt x="1737259" y="1026802"/>
-                  </a:lnTo>
-                  <a:lnTo>
-                    <a:pt x="1819691" y="1020867"/>
-                  </a:lnTo>
-                  <a:lnTo>
-                    <a:pt x="1902123" y="1014933"/>
-                  </a:lnTo>
-                  <a:lnTo>
-                    <a:pt x="1984556" y="1008999"/>
-                  </a:lnTo>
-                  <a:lnTo>
-                    <a:pt x="2066988" y="1003064"/>
-                  </a:lnTo>
-                  <a:lnTo>
-                    <a:pt x="2149420" y="997130"/>
-                  </a:lnTo>
-                  <a:lnTo>
-                    <a:pt x="2231852" y="991196"/>
-                  </a:lnTo>
-                  <a:lnTo>
-                    <a:pt x="2314284" y="985261"/>
-                  </a:lnTo>
-                  <a:close/>
-                </a:path>
-              </a:pathLst>
-            </a:custGeom>
-            <a:solidFill>
-              <a:srgbClr val="A020F0">
-                <a:alpha val="100000"/>
-              </a:srgbClr>
-            </a:solidFill>
-            <a:ln w="13550" cap="flat">
-              <a:solidFill>
-                <a:srgbClr val="000000">
-                  <a:alpha val="100000"/>
-                </a:srgbClr>
-              </a:solidFill>
-              <a:prstDash val="solid"/>
-              <a:miter/>
-            </a:ln>
-          </p:spPr>
-          <p:txBody>
-            <a:bodyPr/>
-            <a:lstStyle/>
-            <a:p/>
-          </p:txBody>
-        </p:sp>
-        <p:sp>
-          <p:nvSpPr>
-            <p:cNvPr id="8" name="pg7"/>
-            <p:cNvSpPr/>
-            <p:nvPr/>
-          </p:nvSpPr>
-          <p:spPr>
-            <a:xfrm>
-              <a:off x="3298893" y="1922580"/>
-              <a:ext cx="2187506" cy="2396719"/>
-            </a:xfrm>
-            <a:custGeom>
-              <a:avLst/>
-              <a:pathLst>
-                <a:path w="2187506" h="2396719">
-                  <a:moveTo>
-                    <a:pt x="2187506" y="2396719"/>
-                  </a:moveTo>
-                  <a:lnTo>
-                    <a:pt x="2187506" y="2314074"/>
-                  </a:lnTo>
-                  <a:lnTo>
-                    <a:pt x="2187506" y="2231428"/>
-                  </a:lnTo>
-                  <a:lnTo>
-                    <a:pt x="2187506" y="2148783"/>
-                  </a:lnTo>
-                  <a:lnTo>
-                    <a:pt x="2187506" y="2066137"/>
-                  </a:lnTo>
-                  <a:lnTo>
-                    <a:pt x="2187506" y="1983492"/>
-                  </a:lnTo>
-                  <a:lnTo>
-                    <a:pt x="2187506" y="1900846"/>
-                  </a:lnTo>
-                  <a:lnTo>
-                    <a:pt x="2187506" y="1818201"/>
-                  </a:lnTo>
-                  <a:lnTo>
-                    <a:pt x="2187506" y="1735555"/>
-                  </a:lnTo>
-                  <a:lnTo>
-                    <a:pt x="2187506" y="1652910"/>
-                  </a:lnTo>
-                  <a:lnTo>
-                    <a:pt x="2187506" y="1570264"/>
-                  </a:lnTo>
-                  <a:lnTo>
-                    <a:pt x="2187506" y="1487619"/>
-                  </a:lnTo>
-                  <a:lnTo>
-                    <a:pt x="2187506" y="1404973"/>
-                  </a:lnTo>
-                  <a:lnTo>
-                    <a:pt x="2187506" y="1322328"/>
-                  </a:lnTo>
-                  <a:lnTo>
-                    <a:pt x="2187506" y="1239682"/>
-                  </a:lnTo>
-                  <a:lnTo>
-                    <a:pt x="2187506" y="1157037"/>
-                  </a:lnTo>
-                  <a:lnTo>
-                    <a:pt x="2187506" y="1074391"/>
-                  </a:lnTo>
-                  <a:lnTo>
-                    <a:pt x="2187506" y="991746"/>
-                  </a:lnTo>
-                  <a:lnTo>
-                    <a:pt x="2187506" y="909100"/>
-                  </a:lnTo>
-                  <a:lnTo>
-                    <a:pt x="2187506" y="826455"/>
-                  </a:lnTo>
-                  <a:lnTo>
-                    <a:pt x="2187506" y="743809"/>
-                  </a:lnTo>
-                  <a:lnTo>
-                    <a:pt x="2187506" y="661164"/>
-                  </a:lnTo>
-                  <a:lnTo>
-                    <a:pt x="2187506" y="578518"/>
-                  </a:lnTo>
-                  <a:lnTo>
-                    <a:pt x="2187506" y="495873"/>
-                  </a:lnTo>
-                  <a:lnTo>
-                    <a:pt x="2187506" y="413227"/>
-                  </a:lnTo>
-                  <a:lnTo>
-                    <a:pt x="2187506" y="330582"/>
-                  </a:lnTo>
-                  <a:lnTo>
-                    <a:pt x="2187506" y="247936"/>
-                  </a:lnTo>
-                  <a:lnTo>
-                    <a:pt x="2187506" y="165291"/>
-                  </a:lnTo>
-                  <a:lnTo>
-                    <a:pt x="2187506" y="82645"/>
-                  </a:lnTo>
-                  <a:lnTo>
-                    <a:pt x="2187506" y="0"/>
-                  </a:lnTo>
-                  <a:lnTo>
-                    <a:pt x="2104010" y="1454"/>
-                  </a:lnTo>
-                  <a:lnTo>
-                    <a:pt x="2020616" y="5817"/>
-                  </a:lnTo>
-                  <a:lnTo>
-                    <a:pt x="1937425" y="13082"/>
-                  </a:lnTo>
-                  <a:lnTo>
-                    <a:pt x="1854537" y="23241"/>
-                  </a:lnTo>
-                  <a:lnTo>
-                    <a:pt x="1772054" y="36282"/>
-                  </a:lnTo>
-                  <a:lnTo>
-                    <a:pt x="1690075" y="52188"/>
-                  </a:lnTo>
-                  <a:lnTo>
-                    <a:pt x="1608700" y="70940"/>
-                  </a:lnTo>
-                  <a:lnTo>
-                    <a:pt x="1528027" y="92516"/>
-                  </a:lnTo>
-                  <a:lnTo>
-                    <a:pt x="1448155" y="116889"/>
-                  </a:lnTo>
-                  <a:lnTo>
-                    <a:pt x="1369181" y="144030"/>
-                  </a:lnTo>
-                  <a:lnTo>
-                    <a:pt x="1291200" y="173905"/>
-                  </a:lnTo>
-                  <a:lnTo>
-                    <a:pt x="1214307" y="206480"/>
-                  </a:lnTo>
-                  <a:lnTo>
-                    <a:pt x="1138596" y="241713"/>
-                  </a:lnTo>
-                  <a:lnTo>
-                    <a:pt x="1064158" y="279562"/>
-                  </a:lnTo>
-                  <a:lnTo>
-                    <a:pt x="991083" y="319981"/>
-                  </a:lnTo>
-                  <a:lnTo>
-                    <a:pt x="919462" y="362922"/>
-                  </a:lnTo>
-                  <a:lnTo>
-                    <a:pt x="849379" y="408332"/>
-                  </a:lnTo>
-                  <a:lnTo>
-                    <a:pt x="780922" y="456156"/>
-                  </a:lnTo>
-                  <a:lnTo>
-                    <a:pt x="714171" y="506335"/>
-                  </a:lnTo>
-                  <a:lnTo>
-                    <a:pt x="649210" y="558810"/>
-                  </a:lnTo>
-                  <a:lnTo>
-                    <a:pt x="586116" y="613515"/>
-                  </a:lnTo>
-                  <a:lnTo>
-                    <a:pt x="524966" y="670386"/>
-                  </a:lnTo>
-                  <a:lnTo>
-                    <a:pt x="465834" y="729352"/>
-                  </a:lnTo>
-                  <a:lnTo>
-                    <a:pt x="408793" y="790343"/>
-                  </a:lnTo>
-                  <a:lnTo>
-                    <a:pt x="353910" y="853283"/>
-                  </a:lnTo>
-                  <a:lnTo>
-                    <a:pt x="301254" y="918098"/>
-                  </a:lnTo>
-                  <a:lnTo>
-                    <a:pt x="250888" y="984707"/>
-                  </a:lnTo>
-                  <a:lnTo>
-                    <a:pt x="202873" y="1053031"/>
-                  </a:lnTo>
-                  <a:lnTo>
-                    <a:pt x="157267" y="1122986"/>
-                  </a:lnTo>
-                  <a:lnTo>
-                    <a:pt x="114126" y="1194487"/>
-                  </a:lnTo>
-                  <a:lnTo>
-                    <a:pt x="73502" y="1267448"/>
-                  </a:lnTo>
-                  <a:lnTo>
-                    <a:pt x="35444" y="1341779"/>
-                  </a:lnTo>
-                  <a:lnTo>
-                    <a:pt x="0" y="1417392"/>
-                  </a:lnTo>
-                  <a:lnTo>
-                    <a:pt x="75431" y="1451162"/>
-                  </a:lnTo>
-                  <a:lnTo>
-                    <a:pt x="150862" y="1484932"/>
-                  </a:lnTo>
-                  <a:lnTo>
-                    <a:pt x="226293" y="1518701"/>
-                  </a:lnTo>
-                  <a:lnTo>
-                    <a:pt x="301724" y="1552471"/>
-                  </a:lnTo>
-                  <a:lnTo>
-                    <a:pt x="377156" y="1586241"/>
-                  </a:lnTo>
-                  <a:lnTo>
-                    <a:pt x="452587" y="1620011"/>
-                  </a:lnTo>
-                  <a:lnTo>
-                    <a:pt x="528018" y="1653781"/>
-                  </a:lnTo>
-                  <a:lnTo>
-                    <a:pt x="603449" y="1687551"/>
-                  </a:lnTo>
-                  <a:lnTo>
-                    <a:pt x="678881" y="1721321"/>
-                  </a:lnTo>
-                  <a:lnTo>
-                    <a:pt x="754312" y="1755091"/>
-                  </a:lnTo>
-                  <a:lnTo>
-                    <a:pt x="829743" y="1788861"/>
-                  </a:lnTo>
-                  <a:lnTo>
-                    <a:pt x="905174" y="1822631"/>
-                  </a:lnTo>
-                  <a:lnTo>
-                    <a:pt x="980606" y="1856401"/>
-                  </a:lnTo>
-                  <a:lnTo>
-                    <a:pt x="1056037" y="1890170"/>
-                  </a:lnTo>
-                  <a:lnTo>
-                    <a:pt x="1131468" y="1923940"/>
-                  </a:lnTo>
-                  <a:lnTo>
-                    <a:pt x="1206899" y="1957710"/>
-                  </a:lnTo>
-                  <a:lnTo>
-                    <a:pt x="1282331" y="1991480"/>
-                  </a:lnTo>
-                  <a:lnTo>
-                    <a:pt x="1357762" y="2025250"/>
-                  </a:lnTo>
-                  <a:lnTo>
-                    <a:pt x="1433193" y="2059020"/>
-                  </a:lnTo>
-                  <a:lnTo>
-                    <a:pt x="1508624" y="2092790"/>
-                  </a:lnTo>
-                  <a:lnTo>
-                    <a:pt x="1584056" y="2126560"/>
-                  </a:lnTo>
-                  <a:lnTo>
-                    <a:pt x="1659487" y="2160330"/>
-                  </a:lnTo>
-                  <a:lnTo>
-                    <a:pt x="1734918" y="2194100"/>
-                  </a:lnTo>
-                  <a:lnTo>
-                    <a:pt x="1810349" y="2227870"/>
-                  </a:lnTo>
-                  <a:lnTo>
-                    <a:pt x="1885781" y="2261639"/>
-                  </a:lnTo>
-                  <a:lnTo>
-                    <a:pt x="1961212" y="2295409"/>
-                  </a:lnTo>
-                  <a:lnTo>
-                    <a:pt x="2036643" y="2329179"/>
-                  </a:lnTo>
-                  <a:lnTo>
-                    <a:pt x="2112074" y="2362949"/>
+                    <a:pt x="2180132" y="2314074"/>
+                  </a:lnTo>
+                  <a:lnTo>
+                    <a:pt x="2180132" y="2231428"/>
+                  </a:lnTo>
+                  <a:lnTo>
+                    <a:pt x="2180132" y="2148783"/>
+                  </a:lnTo>
+                  <a:lnTo>
+                    <a:pt x="2180132" y="2066137"/>
+                  </a:lnTo>
+                  <a:lnTo>
+                    <a:pt x="2180132" y="1983492"/>
+                  </a:lnTo>
+                  <a:lnTo>
+                    <a:pt x="2180132" y="1900846"/>
+                  </a:lnTo>
+                  <a:lnTo>
+                    <a:pt x="2180132" y="1818201"/>
+                  </a:lnTo>
+                  <a:lnTo>
+                    <a:pt x="2180132" y="1735555"/>
+                  </a:lnTo>
+                  <a:lnTo>
+                    <a:pt x="2180132" y="1652910"/>
+                  </a:lnTo>
+                  <a:lnTo>
+                    <a:pt x="2180132" y="1570264"/>
+                  </a:lnTo>
+                  <a:lnTo>
+                    <a:pt x="2180132" y="1487619"/>
+                  </a:lnTo>
+                  <a:lnTo>
+                    <a:pt x="2180132" y="1404973"/>
+                  </a:lnTo>
+                  <a:lnTo>
+                    <a:pt x="2180132" y="1322328"/>
+                  </a:lnTo>
+                  <a:lnTo>
+                    <a:pt x="2180132" y="1239682"/>
+                  </a:lnTo>
+                  <a:lnTo>
+                    <a:pt x="2180132" y="1157037"/>
+                  </a:lnTo>
+                  <a:lnTo>
+                    <a:pt x="2180132" y="1074391"/>
+                  </a:lnTo>
+                  <a:lnTo>
+                    <a:pt x="2180132" y="991746"/>
+                  </a:lnTo>
+                  <a:lnTo>
+                    <a:pt x="2180132" y="909100"/>
+                  </a:lnTo>
+                  <a:lnTo>
+                    <a:pt x="2180132" y="826455"/>
+                  </a:lnTo>
+                  <a:lnTo>
+                    <a:pt x="2180132" y="743809"/>
+                  </a:lnTo>
+                  <a:lnTo>
+                    <a:pt x="2180132" y="661164"/>
+                  </a:lnTo>
+                  <a:lnTo>
+                    <a:pt x="2180132" y="578518"/>
+                  </a:lnTo>
+                  <a:lnTo>
+                    <a:pt x="2180132" y="495873"/>
+                  </a:lnTo>
+                  <a:lnTo>
+                    <a:pt x="2180132" y="413227"/>
+                  </a:lnTo>
+                  <a:lnTo>
+                    <a:pt x="2180132" y="330582"/>
+                  </a:lnTo>
+                  <a:lnTo>
+                    <a:pt x="2180132" y="247936"/>
+                  </a:lnTo>
+                  <a:lnTo>
+                    <a:pt x="2180132" y="165291"/>
+                  </a:lnTo>
+                  <a:lnTo>
+                    <a:pt x="2180132" y="82645"/>
+                  </a:lnTo>
+                  <a:lnTo>
+                    <a:pt x="2180132" y="0"/>
+                  </a:lnTo>
+                  <a:lnTo>
+                    <a:pt x="2097179" y="1435"/>
+                  </a:lnTo>
+                  <a:lnTo>
+                    <a:pt x="2014325" y="5742"/>
+                  </a:lnTo>
+                  <a:lnTo>
+                    <a:pt x="1931670" y="12913"/>
+                  </a:lnTo>
+                  <a:lnTo>
+                    <a:pt x="1849312" y="22941"/>
+                  </a:lnTo>
+                  <a:lnTo>
+                    <a:pt x="1767351" y="35813"/>
+                  </a:lnTo>
+                  <a:lnTo>
+                    <a:pt x="1685885" y="51515"/>
+                  </a:lnTo>
+                  <a:lnTo>
+                    <a:pt x="1605011" y="70026"/>
+                  </a:lnTo>
+                  <a:lnTo>
+                    <a:pt x="1524826" y="91326"/>
+                  </a:lnTo>
+                  <a:lnTo>
+                    <a:pt x="1445426" y="115388"/>
+                  </a:lnTo>
+                  <a:lnTo>
+                    <a:pt x="1366907" y="142184"/>
+                  </a:lnTo>
+                  <a:lnTo>
+                    <a:pt x="1289362" y="171681"/>
+                  </a:lnTo>
+                  <a:lnTo>
+                    <a:pt x="1212884" y="203845"/>
+                  </a:lnTo>
+                  <a:lnTo>
+                    <a:pt x="1137566" y="238637"/>
+                  </a:lnTo>
+                  <a:lnTo>
+                    <a:pt x="1063497" y="276014"/>
+                  </a:lnTo>
+                  <a:lnTo>
+                    <a:pt x="990765" y="315933"/>
+                  </a:lnTo>
+                  <a:lnTo>
+                    <a:pt x="919460" y="358345"/>
+                  </a:lnTo>
+                  <a:lnTo>
+                    <a:pt x="849664" y="403200"/>
+                  </a:lnTo>
+                  <a:lnTo>
+                    <a:pt x="781463" y="450443"/>
+                  </a:lnTo>
+                  <a:lnTo>
+                    <a:pt x="714939" y="500019"/>
+                  </a:lnTo>
+                  <a:lnTo>
+                    <a:pt x="650169" y="551867"/>
+                  </a:lnTo>
+                  <a:lnTo>
+                    <a:pt x="587234" y="605926"/>
+                  </a:lnTo>
+                  <a:lnTo>
+                    <a:pt x="526206" y="662132"/>
+                  </a:lnTo>
+                  <a:lnTo>
+                    <a:pt x="467161" y="720415"/>
+                  </a:lnTo>
+                  <a:lnTo>
+                    <a:pt x="410169" y="780707"/>
+                  </a:lnTo>
+                  <a:lnTo>
+                    <a:pt x="355297" y="842936"/>
+                  </a:lnTo>
+                  <a:lnTo>
+                    <a:pt x="302612" y="907027"/>
+                  </a:lnTo>
+                  <a:lnTo>
+                    <a:pt x="252177" y="972903"/>
+                  </a:lnTo>
+                  <a:lnTo>
+                    <a:pt x="204052" y="1040485"/>
+                  </a:lnTo>
+                  <a:lnTo>
+                    <a:pt x="158295" y="1109692"/>
+                  </a:lnTo>
+                  <a:lnTo>
+                    <a:pt x="114961" y="1180441"/>
+                  </a:lnTo>
+                  <a:lnTo>
+                    <a:pt x="74102" y="1252648"/>
+                  </a:lnTo>
+                  <a:lnTo>
+                    <a:pt x="35766" y="1326225"/>
+                  </a:lnTo>
+                  <a:lnTo>
+                    <a:pt x="0" y="1401086"/>
+                  </a:lnTo>
+                  <a:lnTo>
+                    <a:pt x="75176" y="1435418"/>
+                  </a:lnTo>
+                  <a:lnTo>
+                    <a:pt x="150353" y="1469750"/>
+                  </a:lnTo>
+                  <a:lnTo>
+                    <a:pt x="225530" y="1504082"/>
+                  </a:lnTo>
+                  <a:lnTo>
+                    <a:pt x="300707" y="1538415"/>
+                  </a:lnTo>
+                  <a:lnTo>
+                    <a:pt x="375884" y="1572747"/>
+                  </a:lnTo>
+                  <a:lnTo>
+                    <a:pt x="451061" y="1607079"/>
+                  </a:lnTo>
+                  <a:lnTo>
+                    <a:pt x="526238" y="1641411"/>
+                  </a:lnTo>
+                  <a:lnTo>
+                    <a:pt x="601415" y="1675743"/>
+                  </a:lnTo>
+                  <a:lnTo>
+                    <a:pt x="676592" y="1710075"/>
+                  </a:lnTo>
+                  <a:lnTo>
+                    <a:pt x="751769" y="1744408"/>
+                  </a:lnTo>
+                  <a:lnTo>
+                    <a:pt x="826946" y="1778740"/>
+                  </a:lnTo>
+                  <a:lnTo>
+                    <a:pt x="902123" y="1813072"/>
+                  </a:lnTo>
+                  <a:lnTo>
+                    <a:pt x="977300" y="1847404"/>
+                  </a:lnTo>
+                  <a:lnTo>
+                    <a:pt x="1052477" y="1881736"/>
+                  </a:lnTo>
+                  <a:lnTo>
+                    <a:pt x="1127654" y="1916069"/>
+                  </a:lnTo>
+                  <a:lnTo>
+                    <a:pt x="1202831" y="1950401"/>
+                  </a:lnTo>
+                  <a:lnTo>
+                    <a:pt x="1278008" y="1984733"/>
+                  </a:lnTo>
+                  <a:lnTo>
+                    <a:pt x="1353185" y="2019065"/>
+                  </a:lnTo>
+                  <a:lnTo>
+                    <a:pt x="1428362" y="2053397"/>
+                  </a:lnTo>
+                  <a:lnTo>
+                    <a:pt x="1503539" y="2087729"/>
+                  </a:lnTo>
+                  <a:lnTo>
+                    <a:pt x="1578716" y="2122062"/>
+                  </a:lnTo>
+                  <a:lnTo>
+                    <a:pt x="1653893" y="2156394"/>
+                  </a:lnTo>
+                  <a:lnTo>
+                    <a:pt x="1729070" y="2190726"/>
+                  </a:lnTo>
+                  <a:lnTo>
+                    <a:pt x="1804247" y="2225058"/>
+                  </a:lnTo>
+                  <a:lnTo>
+                    <a:pt x="1879424" y="2259390"/>
+                  </a:lnTo>
+                  <a:lnTo>
+                    <a:pt x="1954601" y="2293723"/>
+                  </a:lnTo>
+                  <a:lnTo>
+                    <a:pt x="2029778" y="2328055"/>
+                  </a:lnTo>
+                  <a:lnTo>
+                    <a:pt x="2104955" y="2362387"/>
                   </a:lnTo>
                   <a:close/>
                 </a:path>
@@ -3697,13 +3486,13 @@
         </p:sp>
         <p:sp>
           <p:nvSpPr>
-            <p:cNvPr id="9" name="tx8"/>
+            <p:cNvPr id="8" name="tx7"/>
             <p:cNvSpPr/>
             <p:nvPr/>
           </p:nvSpPr>
           <p:spPr>
             <a:xfrm>
-              <a:off x="5905778" y="4570292"/>
+              <a:off x="5243052" y="5237410"/>
               <a:ext cx="1566579" cy="157737"/>
             </a:xfrm>
             <a:prstGeom prst="rect">
@@ -3743,13 +3532,13 @@
         </p:sp>
         <p:sp>
           <p:nvSpPr>
-            <p:cNvPr id="10" name="tx9"/>
+            <p:cNvPr id="9" name="tx8"/>
             <p:cNvSpPr/>
             <p:nvPr/>
           </p:nvSpPr>
           <p:spPr>
             <a:xfrm>
-              <a:off x="6200875" y="4876676"/>
+              <a:off x="5538149" y="5543794"/>
               <a:ext cx="976386" cy="163560"/>
             </a:xfrm>
             <a:prstGeom prst="rect">
@@ -3782,112 +3571,20 @@
                   <a:latin typeface="Arial"/>
                   <a:cs typeface="Arial"/>
                 </a:rPr>
-                <a:t> 72.549 %</a:t>
+                <a:t> 75.524 %</a:t>
               </a:r>
             </a:p>
           </p:txBody>
         </p:sp>
         <p:sp>
           <p:nvSpPr>
-            <p:cNvPr id="11" name="tx10"/>
+            <p:cNvPr id="10" name="tx9"/>
             <p:cNvSpPr/>
             <p:nvPr/>
           </p:nvSpPr>
           <p:spPr>
             <a:xfrm>
-              <a:off x="2984594" y="4510962"/>
-              <a:ext cx="2036510" cy="157737"/>
-            </a:xfrm>
-            <a:prstGeom prst="rect">
-              <a:avLst/>
-            </a:prstGeom>
-            <a:noFill/>
-          </p:spPr>
-          <p:txBody>
-            <a:bodyPr lIns="0" rIns="0" tIns="0" bIns="0" anchorCtr="1" anchor="ctr" wrap="none"/>
-            <a:lstStyle/>
-            <a:p>
-              <a:pPr algn="l" marL="0" marR="0" indent="0">
-                <a:lnSpc>
-                  <a:spcPts val="1707"/>
-                </a:lnSpc>
-                <a:spcBef>
-                  <a:spcPts val="0"/>
-                </a:spcBef>
-                <a:spcAft>
-                  <a:spcPts val="0"/>
-                </a:spcAft>
-              </a:pPr>
-              <a:r>
-                <a:rPr sz="1707">
-                  <a:solidFill>
-                    <a:srgbClr val="000000">
-                      <a:alpha val="100000"/>
-                    </a:srgbClr>
-                  </a:solidFill>
-                  <a:latin typeface="Arial"/>
-                  <a:cs typeface="Arial"/>
-                </a:rPr>
-                <a:t>Non-Plastid Parasite </a:t>
-              </a:r>
-            </a:p>
-          </p:txBody>
-        </p:sp>
-        <p:sp>
-          <p:nvSpPr>
-            <p:cNvPr id="12" name="tx11"/>
-            <p:cNvSpPr/>
-            <p:nvPr/>
-          </p:nvSpPr>
-          <p:spPr>
-            <a:xfrm>
-              <a:off x="3574946" y="4817346"/>
-              <a:ext cx="855806" cy="163560"/>
-            </a:xfrm>
-            <a:prstGeom prst="rect">
-              <a:avLst/>
-            </a:prstGeom>
-            <a:noFill/>
-          </p:spPr>
-          <p:txBody>
-            <a:bodyPr lIns="0" rIns="0" tIns="0" bIns="0" anchorCtr="1" anchor="ctr" wrap="none"/>
-            <a:lstStyle/>
-            <a:p>
-              <a:pPr algn="l" marL="0" marR="0" indent="0">
-                <a:lnSpc>
-                  <a:spcPts val="1707"/>
-                </a:lnSpc>
-                <a:spcBef>
-                  <a:spcPts val="0"/>
-                </a:spcBef>
-                <a:spcAft>
-                  <a:spcPts val="0"/>
-                </a:spcAft>
-              </a:pPr>
-              <a:r>
-                <a:rPr sz="1707">
-                  <a:solidFill>
-                    <a:srgbClr val="000000">
-                      <a:alpha val="100000"/>
-                    </a:srgbClr>
-                  </a:solidFill>
-                  <a:latin typeface="Arial"/>
-                  <a:cs typeface="Arial"/>
-                </a:rPr>
-                <a:t> 1.307 %</a:t>
-              </a:r>
-            </a:p>
-          </p:txBody>
-        </p:sp>
-        <p:sp>
-          <p:nvSpPr>
-            <p:cNvPr id="13" name="tx12"/>
-            <p:cNvSpPr/>
-            <p:nvPr/>
-          </p:nvSpPr>
-          <p:spPr>
-            <a:xfrm>
-              <a:off x="3863345" y="3539492"/>
+              <a:off x="3751449" y="3599336"/>
               <a:ext cx="1470136" cy="200824"/>
             </a:xfrm>
             <a:prstGeom prst="rect">
@@ -3927,13 +3624,13 @@
         </p:sp>
         <p:sp>
           <p:nvSpPr>
-            <p:cNvPr id="14" name="tx13"/>
+            <p:cNvPr id="11" name="tx10"/>
             <p:cNvSpPr/>
             <p:nvPr/>
           </p:nvSpPr>
           <p:spPr>
             <a:xfrm>
-              <a:off x="4170510" y="3888962"/>
+              <a:off x="4058614" y="3948807"/>
               <a:ext cx="855806" cy="163560"/>
             </a:xfrm>
             <a:prstGeom prst="rect">
@@ -3966,20 +3663,20 @@
                   <a:latin typeface="Arial"/>
                   <a:cs typeface="Arial"/>
                 </a:rPr>
-                <a:t> 7.843 %</a:t>
+                <a:t> 6.294 %</a:t>
               </a:r>
             </a:p>
           </p:txBody>
         </p:sp>
         <p:sp>
           <p:nvSpPr>
-            <p:cNvPr id="15" name="tx14"/>
+            <p:cNvPr id="12" name="tx11"/>
             <p:cNvSpPr/>
             <p:nvPr/>
           </p:nvSpPr>
           <p:spPr>
             <a:xfrm>
-              <a:off x="4548608" y="2744388"/>
+              <a:off x="4093452" y="3201197"/>
               <a:ext cx="1156990" cy="198283"/>
             </a:xfrm>
             <a:prstGeom prst="rect">
@@ -4019,13 +3716,13 @@
         </p:sp>
         <p:sp>
           <p:nvSpPr>
-            <p:cNvPr id="16" name="tx15"/>
+            <p:cNvPr id="13" name="tx12"/>
             <p:cNvSpPr/>
             <p:nvPr/>
           </p:nvSpPr>
           <p:spPr>
             <a:xfrm>
-              <a:off x="4638911" y="3091318"/>
+              <a:off x="4183754" y="3548127"/>
               <a:ext cx="976386" cy="163560"/>
             </a:xfrm>
             <a:prstGeom prst="rect">
@@ -4058,14 +3755,14 @@
                   <a:latin typeface="Arial"/>
                   <a:cs typeface="Arial"/>
                 </a:rPr>
-                <a:t> 18.301 %</a:t>
+                <a:t> 18.182 %</a:t>
               </a:r>
             </a:p>
           </p:txBody>
         </p:sp>
         <p:sp>
           <p:nvSpPr>
-            <p:cNvPr id="17" name="tx16"/>
+            <p:cNvPr id="14" name="tx13"/>
             <p:cNvSpPr/>
             <p:nvPr/>
           </p:nvSpPr>
@@ -4111,7 +3808,7 @@
         </p:sp>
         <p:sp>
           <p:nvSpPr>
-            <p:cNvPr id="18" name="tx17"/>
+            <p:cNvPr id="15" name="tx14"/>
             <p:cNvSpPr/>
             <p:nvPr/>
           </p:nvSpPr>

--- a/Images/Figures_PPT/SARPieWithOutRictor.pptx
+++ b/Images/Figures_PPT/SARPieWithOutRictor.pptx
@@ -3492,7 +3492,7 @@
           </p:nvSpPr>
           <p:spPr>
             <a:xfrm>
-              <a:off x="5243052" y="5237410"/>
+              <a:off x="5829580" y="4650903"/>
               <a:ext cx="1566579" cy="157737"/>
             </a:xfrm>
             <a:prstGeom prst="rect">
@@ -3538,7 +3538,7 @@
           </p:nvSpPr>
           <p:spPr>
             <a:xfrm>
-              <a:off x="5538149" y="5543794"/>
+              <a:off x="6124677" y="4957287"/>
               <a:ext cx="976386" cy="163560"/>
             </a:xfrm>
             <a:prstGeom prst="rect">
@@ -3584,7 +3584,7 @@
           </p:nvSpPr>
           <p:spPr>
             <a:xfrm>
-              <a:off x="3751449" y="3599336"/>
+              <a:off x="3291624" y="4059003"/>
               <a:ext cx="1470136" cy="200824"/>
             </a:xfrm>
             <a:prstGeom prst="rect">
@@ -3630,7 +3630,7 @@
           </p:nvSpPr>
           <p:spPr>
             <a:xfrm>
-              <a:off x="4058614" y="3948807"/>
+              <a:off x="3598790" y="4408474"/>
               <a:ext cx="855806" cy="163560"/>
             </a:xfrm>
             <a:prstGeom prst="rect">
@@ -3676,7 +3676,7 @@
           </p:nvSpPr>
           <p:spPr>
             <a:xfrm>
-              <a:off x="4093452" y="3201197"/>
+              <a:off x="3967219" y="3327265"/>
               <a:ext cx="1156990" cy="198283"/>
             </a:xfrm>
             <a:prstGeom prst="rect">
@@ -3722,7 +3722,7 @@
           </p:nvSpPr>
           <p:spPr>
             <a:xfrm>
-              <a:off x="4183754" y="3548127"/>
+              <a:off x="4057521" y="3674194"/>
               <a:ext cx="976386" cy="163560"/>
             </a:xfrm>
             <a:prstGeom prst="rect">

--- a/Images/Figures_PPT/SARPieWithOutRictor.pptx
+++ b/Images/Figures_PPT/SARPieWithOutRictor.pptx
@@ -3492,7 +3492,7 @@
           </p:nvSpPr>
           <p:spPr>
             <a:xfrm>
-              <a:off x="5829580" y="4650903"/>
+              <a:off x="5829556" y="4651034"/>
               <a:ext cx="1566579" cy="157737"/>
             </a:xfrm>
             <a:prstGeom prst="rect">
@@ -3538,7 +3538,7 @@
           </p:nvSpPr>
           <p:spPr>
             <a:xfrm>
-              <a:off x="6124677" y="4957287"/>
+              <a:off x="6124653" y="4957418"/>
               <a:ext cx="976386" cy="163560"/>
             </a:xfrm>
             <a:prstGeom prst="rect">
@@ -3584,7 +3584,7 @@
           </p:nvSpPr>
           <p:spPr>
             <a:xfrm>
-              <a:off x="3291624" y="4059003"/>
+              <a:off x="3877355" y="3473216"/>
               <a:ext cx="1470136" cy="200824"/>
             </a:xfrm>
             <a:prstGeom prst="rect">
@@ -3630,7 +3630,7 @@
           </p:nvSpPr>
           <p:spPr>
             <a:xfrm>
-              <a:off x="3598790" y="4408474"/>
+              <a:off x="4184521" y="3822687"/>
               <a:ext cx="855806" cy="163560"/>
             </a:xfrm>
             <a:prstGeom prst="rect">
@@ -3676,7 +3676,7 @@
           </p:nvSpPr>
           <p:spPr>
             <a:xfrm>
-              <a:off x="3967219" y="3327265"/>
+              <a:off x="4553464" y="2740956"/>
               <a:ext cx="1156990" cy="198283"/>
             </a:xfrm>
             <a:prstGeom prst="rect">
@@ -3722,7 +3722,7 @@
           </p:nvSpPr>
           <p:spPr>
             <a:xfrm>
-              <a:off x="4057521" y="3674194"/>
+              <a:off x="4643766" y="3087886"/>
               <a:ext cx="976386" cy="163560"/>
             </a:xfrm>
             <a:prstGeom prst="rect">

--- a/Images/Figures_PPT/SARPieWithOutRictor.pptx
+++ b/Images/Figures_PPT/SARPieWithOutRictor.pptx
@@ -3492,7 +3492,7 @@
           </p:nvSpPr>
           <p:spPr>
             <a:xfrm>
-              <a:off x="5829556" y="4651034"/>
+              <a:off x="5830076" y="4650555"/>
               <a:ext cx="1566579" cy="157737"/>
             </a:xfrm>
             <a:prstGeom prst="rect">
@@ -3538,7 +3538,7 @@
           </p:nvSpPr>
           <p:spPr>
             <a:xfrm>
-              <a:off x="6124653" y="4957418"/>
+              <a:off x="6125173" y="4956939"/>
               <a:ext cx="976386" cy="163560"/>
             </a:xfrm>
             <a:prstGeom prst="rect">
@@ -3584,7 +3584,7 @@
           </p:nvSpPr>
           <p:spPr>
             <a:xfrm>
-              <a:off x="3877355" y="3473216"/>
+              <a:off x="3751440" y="3599329"/>
               <a:ext cx="1470136" cy="200824"/>
             </a:xfrm>
             <a:prstGeom prst="rect">
@@ -3630,7 +3630,7 @@
           </p:nvSpPr>
           <p:spPr>
             <a:xfrm>
-              <a:off x="4184521" y="3822687"/>
+              <a:off x="4058605" y="3948800"/>
               <a:ext cx="855806" cy="163560"/>
             </a:xfrm>
             <a:prstGeom prst="rect">
@@ -3676,7 +3676,7 @@
           </p:nvSpPr>
           <p:spPr>
             <a:xfrm>
-              <a:off x="4553464" y="2740956"/>
+              <a:off x="4093478" y="3201220"/>
               <a:ext cx="1156990" cy="198283"/>
             </a:xfrm>
             <a:prstGeom prst="rect">
@@ -3722,7 +3722,7 @@
           </p:nvSpPr>
           <p:spPr>
             <a:xfrm>
-              <a:off x="4643766" y="3087886"/>
+              <a:off x="4183781" y="3548150"/>
               <a:ext cx="976386" cy="163560"/>
             </a:xfrm>
             <a:prstGeom prst="rect">

--- a/Images/Figures_PPT/SARPieWithOutRictor.pptx
+++ b/Images/Figures_PPT/SARPieWithOutRictor.pptx
@@ -3492,7 +3492,7 @@
           </p:nvSpPr>
           <p:spPr>
             <a:xfrm>
-              <a:off x="5830076" y="4650555"/>
+              <a:off x="5243645" y="5236836"/>
               <a:ext cx="1566579" cy="157737"/>
             </a:xfrm>
             <a:prstGeom prst="rect">
@@ -3538,7 +3538,7 @@
           </p:nvSpPr>
           <p:spPr>
             <a:xfrm>
-              <a:off x="6125173" y="4956939"/>
+              <a:off x="5538741" y="5543220"/>
               <a:ext cx="976386" cy="163560"/>
             </a:xfrm>
             <a:prstGeom prst="rect">
@@ -3584,7 +3584,7 @@
           </p:nvSpPr>
           <p:spPr>
             <a:xfrm>
-              <a:off x="3751440" y="3599329"/>
+              <a:off x="3877455" y="3473209"/>
               <a:ext cx="1470136" cy="200824"/>
             </a:xfrm>
             <a:prstGeom prst="rect">
@@ -3630,7 +3630,7 @@
           </p:nvSpPr>
           <p:spPr>
             <a:xfrm>
-              <a:off x="4058605" y="3948800"/>
+              <a:off x="4184620" y="3822680"/>
               <a:ext cx="855806" cy="163560"/>
             </a:xfrm>
             <a:prstGeom prst="rect">
@@ -3676,7 +3676,7 @@
           </p:nvSpPr>
           <p:spPr>
             <a:xfrm>
-              <a:off x="4093478" y="3201220"/>
+              <a:off x="4552401" y="2742058"/>
               <a:ext cx="1156990" cy="198283"/>
             </a:xfrm>
             <a:prstGeom prst="rect">
@@ -3722,7 +3722,7 @@
           </p:nvSpPr>
           <p:spPr>
             <a:xfrm>
-              <a:off x="4183781" y="3548150"/>
+              <a:off x="4642703" y="3088988"/>
               <a:ext cx="976386" cy="163560"/>
             </a:xfrm>
             <a:prstGeom prst="rect">
